--- a/angular/presentation/Angular-UnitTesting-V1.pptx
+++ b/angular/presentation/Angular-UnitTesting-V1.pptx
@@ -5,10 +5,10 @@
     <p:sldMasterId id="2147483648" r:id="rId1"/>
   </p:sldMasterIdLst>
   <p:notesMasterIdLst>
-    <p:notesMasterId r:id="rId13"/>
+    <p:notesMasterId r:id="rId12"/>
   </p:notesMasterIdLst>
   <p:handoutMasterIdLst>
-    <p:handoutMasterId r:id="rId14"/>
+    <p:handoutMasterId r:id="rId13"/>
   </p:handoutMasterIdLst>
   <p:sldIdLst>
     <p:sldId id="256" r:id="rId2"/>
@@ -20,8 +20,7 @@
     <p:sldId id="352" r:id="rId8"/>
     <p:sldId id="353" r:id="rId9"/>
     <p:sldId id="354" r:id="rId10"/>
-    <p:sldId id="355" r:id="rId11"/>
-    <p:sldId id="348" r:id="rId12"/>
+    <p:sldId id="348" r:id="rId11"/>
   </p:sldIdLst>
   <p:sldSz cx="12192000" cy="6858000"/>
   <p:notesSz cx="6858000" cy="9144000"/>
@@ -122,7 +121,18 @@
   </p:defaultTextStyle>
   <p:extLst>
     <p:ext uri="{EFAFB233-063F-42B5-8137-9DF3F51BA10A}">
-      <p15:sldGuideLst xmlns="" xmlns:p15="http://schemas.microsoft.com/office/powerpoint/2012/main"/>
+      <p15:sldGuideLst xmlns:p15="http://schemas.microsoft.com/office/powerpoint/2012/main">
+        <p15:guide id="1" orient="horz" pos="2160">
+          <p15:clr>
+            <a:srgbClr val="A4A3A4"/>
+          </p15:clr>
+        </p15:guide>
+        <p15:guide id="2" pos="3840">
+          <p15:clr>
+            <a:srgbClr val="A4A3A4"/>
+          </p15:clr>
+        </p15:guide>
+      </p15:sldGuideLst>
     </p:ext>
   </p:extLst>
 </p:presentation>
@@ -155,7 +165,7 @@
           <p:cNvPr id="2" name="Header Placeholder 1">
             <a:extLst>
               <a:ext uri="{FF2B5EF4-FFF2-40B4-BE49-F238E27FC236}">
-                <a16:creationId xmlns="" xmlns:a16="http://schemas.microsoft.com/office/drawing/2014/main" id="{EC55B4A6-F6ED-41A2-91E7-92EA26A78E6A}"/>
+                <a16:creationId xmlns:a16="http://schemas.microsoft.com/office/drawing/2014/main" id="{EC55B4A6-F6ED-41A2-91E7-92EA26A78E6A}"/>
               </a:ext>
             </a:extLst>
           </p:cNvPr>
@@ -195,7 +205,7 @@
           <p:cNvPr id="3" name="Date Placeholder 2">
             <a:extLst>
               <a:ext uri="{FF2B5EF4-FFF2-40B4-BE49-F238E27FC236}">
-                <a16:creationId xmlns="" xmlns:a16="http://schemas.microsoft.com/office/drawing/2014/main" id="{92E8005F-CED1-4621-9110-C690C6CDC9C8}"/>
+                <a16:creationId xmlns:a16="http://schemas.microsoft.com/office/drawing/2014/main" id="{92E8005F-CED1-4621-9110-C690C6CDC9C8}"/>
               </a:ext>
             </a:extLst>
           </p:cNvPr>
@@ -226,7 +236,7 @@
             <a:fld id="{C5BA3DF1-419F-4396-AE23-2FADD3683DAD}" type="datetimeFigureOut">
               <a:rPr lang="en-IN" smtClean="0"/>
               <a:pPr/>
-              <a:t>08-01-2021</a:t>
+              <a:t>05-08-2022</a:t>
             </a:fld>
             <a:endParaRPr lang="en-IN"/>
           </a:p>
@@ -237,7 +247,7 @@
           <p:cNvPr id="4" name="Footer Placeholder 3">
             <a:extLst>
               <a:ext uri="{FF2B5EF4-FFF2-40B4-BE49-F238E27FC236}">
-                <a16:creationId xmlns="" xmlns:a16="http://schemas.microsoft.com/office/drawing/2014/main" id="{CAC7E25C-2D8D-41AA-8748-E6D60FE01DEB}"/>
+                <a16:creationId xmlns:a16="http://schemas.microsoft.com/office/drawing/2014/main" id="{CAC7E25C-2D8D-41AA-8748-E6D60FE01DEB}"/>
               </a:ext>
             </a:extLst>
           </p:cNvPr>
@@ -274,7 +284,7 @@
           <p:cNvPr id="5" name="Slide Number Placeholder 4">
             <a:extLst>
               <a:ext uri="{FF2B5EF4-FFF2-40B4-BE49-F238E27FC236}">
-                <a16:creationId xmlns="" xmlns:a16="http://schemas.microsoft.com/office/drawing/2014/main" id="{E5D82668-E5B5-46EE-9C93-F2CE7B1769FF}"/>
+                <a16:creationId xmlns:a16="http://schemas.microsoft.com/office/drawing/2014/main" id="{E5D82668-E5B5-46EE-9C93-F2CE7B1769FF}"/>
               </a:ext>
             </a:extLst>
           </p:cNvPr>
@@ -314,7 +324,7 @@
     </p:spTree>
     <p:extLst>
       <p:ext uri="{BB962C8B-B14F-4D97-AF65-F5344CB8AC3E}">
-        <p14:creationId xmlns="" xmlns:p14="http://schemas.microsoft.com/office/powerpoint/2010/main" val="2288578213"/>
+        <p14:creationId xmlns:p14="http://schemas.microsoft.com/office/powerpoint/2010/main" val="2288578213"/>
       </p:ext>
     </p:extLst>
   </p:cSld>
@@ -409,7 +419,7 @@
             <a:fld id="{83A6DFB3-D709-4817-8757-3B1955B6C311}" type="datetimeFigureOut">
               <a:rPr lang="en-IN" smtClean="0"/>
               <a:pPr/>
-              <a:t>08-01-2021</a:t>
+              <a:t>05-08-2022</a:t>
             </a:fld>
             <a:endParaRPr lang="en-IN"/>
           </a:p>
@@ -578,7 +588,7 @@
     </p:spTree>
     <p:extLst>
       <p:ext uri="{BB962C8B-B14F-4D97-AF65-F5344CB8AC3E}">
-        <p14:creationId xmlns="" xmlns:p14="http://schemas.microsoft.com/office/powerpoint/2010/main" val="2057415091"/>
+        <p14:creationId xmlns:p14="http://schemas.microsoft.com/office/powerpoint/2010/main" val="2057415091"/>
       </p:ext>
     </p:extLst>
   </p:cSld>
@@ -701,7 +711,7 @@
           <p:cNvPr id="2" name="Title 1">
             <a:extLst>
               <a:ext uri="{FF2B5EF4-FFF2-40B4-BE49-F238E27FC236}">
-                <a16:creationId xmlns="" xmlns:a16="http://schemas.microsoft.com/office/drawing/2014/main" id="{28C3C41B-E9E9-489D-B260-27118C51A954}"/>
+                <a16:creationId xmlns:a16="http://schemas.microsoft.com/office/drawing/2014/main" id="{28C3C41B-E9E9-489D-B260-27118C51A954}"/>
               </a:ext>
             </a:extLst>
           </p:cNvPr>
@@ -739,7 +749,7 @@
           <p:cNvPr id="3" name="Subtitle 2">
             <a:extLst>
               <a:ext uri="{FF2B5EF4-FFF2-40B4-BE49-F238E27FC236}">
-                <a16:creationId xmlns="" xmlns:a16="http://schemas.microsoft.com/office/drawing/2014/main" id="{D018C4B8-CEE0-48BD-992B-814D7C429EE0}"/>
+                <a16:creationId xmlns:a16="http://schemas.microsoft.com/office/drawing/2014/main" id="{D018C4B8-CEE0-48BD-992B-814D7C429EE0}"/>
               </a:ext>
             </a:extLst>
           </p:cNvPr>
@@ -810,7 +820,7 @@
           <p:cNvPr id="4" name="Date Placeholder 3">
             <a:extLst>
               <a:ext uri="{FF2B5EF4-FFF2-40B4-BE49-F238E27FC236}">
-                <a16:creationId xmlns="" xmlns:a16="http://schemas.microsoft.com/office/drawing/2014/main" id="{900E0641-E2DC-4375-B272-231AFBA64930}"/>
+                <a16:creationId xmlns:a16="http://schemas.microsoft.com/office/drawing/2014/main" id="{900E0641-E2DC-4375-B272-231AFBA64930}"/>
               </a:ext>
             </a:extLst>
           </p:cNvPr>
@@ -829,7 +839,7 @@
             <a:fld id="{3A6BD9D9-0201-491D-850A-4E48B8CC6FB5}" type="datetime1">
               <a:rPr lang="en-IN" smtClean="0"/>
               <a:pPr/>
-              <a:t>08-01-2021</a:t>
+              <a:t>05-08-2022</a:t>
             </a:fld>
             <a:endParaRPr lang="en-IN"/>
           </a:p>
@@ -840,7 +850,7 @@
           <p:cNvPr id="5" name="Footer Placeholder 4">
             <a:extLst>
               <a:ext uri="{FF2B5EF4-FFF2-40B4-BE49-F238E27FC236}">
-                <a16:creationId xmlns="" xmlns:a16="http://schemas.microsoft.com/office/drawing/2014/main" id="{F14D9137-1D30-43E0-932D-1EB873CE09AC}"/>
+                <a16:creationId xmlns:a16="http://schemas.microsoft.com/office/drawing/2014/main" id="{F14D9137-1D30-43E0-932D-1EB873CE09AC}"/>
               </a:ext>
             </a:extLst>
           </p:cNvPr>
@@ -868,7 +878,7 @@
           <p:cNvPr id="6" name="Slide Number Placeholder 5">
             <a:extLst>
               <a:ext uri="{FF2B5EF4-FFF2-40B4-BE49-F238E27FC236}">
-                <a16:creationId xmlns="" xmlns:a16="http://schemas.microsoft.com/office/drawing/2014/main" id="{575AB4F9-BFE1-4F47-8160-278C84DA051B}"/>
+                <a16:creationId xmlns:a16="http://schemas.microsoft.com/office/drawing/2014/main" id="{575AB4F9-BFE1-4F47-8160-278C84DA051B}"/>
               </a:ext>
             </a:extLst>
           </p:cNvPr>
@@ -896,7 +906,7 @@
     </p:spTree>
     <p:extLst>
       <p:ext uri="{BB962C8B-B14F-4D97-AF65-F5344CB8AC3E}">
-        <p14:creationId xmlns="" xmlns:p14="http://schemas.microsoft.com/office/powerpoint/2010/main" val="339424523"/>
+        <p14:creationId xmlns:p14="http://schemas.microsoft.com/office/powerpoint/2010/main" val="339424523"/>
       </p:ext>
     </p:extLst>
   </p:cSld>
@@ -928,7 +938,7 @@
           <p:cNvPr id="2" name="Title 1">
             <a:extLst>
               <a:ext uri="{FF2B5EF4-FFF2-40B4-BE49-F238E27FC236}">
-                <a16:creationId xmlns="" xmlns:a16="http://schemas.microsoft.com/office/drawing/2014/main" id="{B50BCFDE-0066-424F-8AD8-B8B63F4BB3E3}"/>
+                <a16:creationId xmlns:a16="http://schemas.microsoft.com/office/drawing/2014/main" id="{B50BCFDE-0066-424F-8AD8-B8B63F4BB3E3}"/>
               </a:ext>
             </a:extLst>
           </p:cNvPr>
@@ -957,7 +967,7 @@
           <p:cNvPr id="3" name="Vertical Text Placeholder 2">
             <a:extLst>
               <a:ext uri="{FF2B5EF4-FFF2-40B4-BE49-F238E27FC236}">
-                <a16:creationId xmlns="" xmlns:a16="http://schemas.microsoft.com/office/drawing/2014/main" id="{C9767B97-FA2A-4591-8DD4-3BF596375222}"/>
+                <a16:creationId xmlns:a16="http://schemas.microsoft.com/office/drawing/2014/main" id="{C9767B97-FA2A-4591-8DD4-3BF596375222}"/>
               </a:ext>
             </a:extLst>
           </p:cNvPr>
@@ -1015,7 +1025,7 @@
           <p:cNvPr id="4" name="Date Placeholder 3">
             <a:extLst>
               <a:ext uri="{FF2B5EF4-FFF2-40B4-BE49-F238E27FC236}">
-                <a16:creationId xmlns="" xmlns:a16="http://schemas.microsoft.com/office/drawing/2014/main" id="{30B81EE0-3A36-4DA0-8C70-B2F55A23D80E}"/>
+                <a16:creationId xmlns:a16="http://schemas.microsoft.com/office/drawing/2014/main" id="{30B81EE0-3A36-4DA0-8C70-B2F55A23D80E}"/>
               </a:ext>
             </a:extLst>
           </p:cNvPr>
@@ -1034,7 +1044,7 @@
             <a:fld id="{75E8E471-E374-414F-ACAE-271604EC180C}" type="datetime1">
               <a:rPr lang="en-IN" smtClean="0"/>
               <a:pPr/>
-              <a:t>08-01-2021</a:t>
+              <a:t>05-08-2022</a:t>
             </a:fld>
             <a:endParaRPr lang="en-IN"/>
           </a:p>
@@ -1045,7 +1055,7 @@
           <p:cNvPr id="5" name="Footer Placeholder 4">
             <a:extLst>
               <a:ext uri="{FF2B5EF4-FFF2-40B4-BE49-F238E27FC236}">
-                <a16:creationId xmlns="" xmlns:a16="http://schemas.microsoft.com/office/drawing/2014/main" id="{2C591D9F-1AA2-4DC0-ABDD-E386B07AD3FD}"/>
+                <a16:creationId xmlns:a16="http://schemas.microsoft.com/office/drawing/2014/main" id="{2C591D9F-1AA2-4DC0-ABDD-E386B07AD3FD}"/>
               </a:ext>
             </a:extLst>
           </p:cNvPr>
@@ -1073,7 +1083,7 @@
           <p:cNvPr id="6" name="Slide Number Placeholder 5">
             <a:extLst>
               <a:ext uri="{FF2B5EF4-FFF2-40B4-BE49-F238E27FC236}">
-                <a16:creationId xmlns="" xmlns:a16="http://schemas.microsoft.com/office/drawing/2014/main" id="{69B10BF8-EA9D-4436-8B54-135D36BD0FF2}"/>
+                <a16:creationId xmlns:a16="http://schemas.microsoft.com/office/drawing/2014/main" id="{69B10BF8-EA9D-4436-8B54-135D36BD0FF2}"/>
               </a:ext>
             </a:extLst>
           </p:cNvPr>
@@ -1101,7 +1111,7 @@
     </p:spTree>
     <p:extLst>
       <p:ext uri="{BB962C8B-B14F-4D97-AF65-F5344CB8AC3E}">
-        <p14:creationId xmlns="" xmlns:p14="http://schemas.microsoft.com/office/powerpoint/2010/main" val="1739479079"/>
+        <p14:creationId xmlns:p14="http://schemas.microsoft.com/office/powerpoint/2010/main" val="1739479079"/>
       </p:ext>
     </p:extLst>
   </p:cSld>
@@ -1133,7 +1143,7 @@
           <p:cNvPr id="2" name="Vertical Title 1">
             <a:extLst>
               <a:ext uri="{FF2B5EF4-FFF2-40B4-BE49-F238E27FC236}">
-                <a16:creationId xmlns="" xmlns:a16="http://schemas.microsoft.com/office/drawing/2014/main" id="{202BC0A2-01C6-47DB-93BE-DB08598B6342}"/>
+                <a16:creationId xmlns:a16="http://schemas.microsoft.com/office/drawing/2014/main" id="{202BC0A2-01C6-47DB-93BE-DB08598B6342}"/>
               </a:ext>
             </a:extLst>
           </p:cNvPr>
@@ -1167,7 +1177,7 @@
           <p:cNvPr id="3" name="Vertical Text Placeholder 2">
             <a:extLst>
               <a:ext uri="{FF2B5EF4-FFF2-40B4-BE49-F238E27FC236}">
-                <a16:creationId xmlns="" xmlns:a16="http://schemas.microsoft.com/office/drawing/2014/main" id="{4FBC7C24-10B7-4275-A1D4-1C14E61890F0}"/>
+                <a16:creationId xmlns:a16="http://schemas.microsoft.com/office/drawing/2014/main" id="{4FBC7C24-10B7-4275-A1D4-1C14E61890F0}"/>
               </a:ext>
             </a:extLst>
           </p:cNvPr>
@@ -1230,7 +1240,7 @@
           <p:cNvPr id="4" name="Date Placeholder 3">
             <a:extLst>
               <a:ext uri="{FF2B5EF4-FFF2-40B4-BE49-F238E27FC236}">
-                <a16:creationId xmlns="" xmlns:a16="http://schemas.microsoft.com/office/drawing/2014/main" id="{CA7B6E22-37F2-4165-A9BB-2109D041FDF6}"/>
+                <a16:creationId xmlns:a16="http://schemas.microsoft.com/office/drawing/2014/main" id="{CA7B6E22-37F2-4165-A9BB-2109D041FDF6}"/>
               </a:ext>
             </a:extLst>
           </p:cNvPr>
@@ -1249,7 +1259,7 @@
             <a:fld id="{06209059-F8BB-4ED7-ABCA-C2BF3D4995E6}" type="datetime1">
               <a:rPr lang="en-IN" smtClean="0"/>
               <a:pPr/>
-              <a:t>08-01-2021</a:t>
+              <a:t>05-08-2022</a:t>
             </a:fld>
             <a:endParaRPr lang="en-IN"/>
           </a:p>
@@ -1260,7 +1270,7 @@
           <p:cNvPr id="5" name="Footer Placeholder 4">
             <a:extLst>
               <a:ext uri="{FF2B5EF4-FFF2-40B4-BE49-F238E27FC236}">
-                <a16:creationId xmlns="" xmlns:a16="http://schemas.microsoft.com/office/drawing/2014/main" id="{B056818C-8238-4212-9546-A9BA9398E5E5}"/>
+                <a16:creationId xmlns:a16="http://schemas.microsoft.com/office/drawing/2014/main" id="{B056818C-8238-4212-9546-A9BA9398E5E5}"/>
               </a:ext>
             </a:extLst>
           </p:cNvPr>
@@ -1288,7 +1298,7 @@
           <p:cNvPr id="6" name="Slide Number Placeholder 5">
             <a:extLst>
               <a:ext uri="{FF2B5EF4-FFF2-40B4-BE49-F238E27FC236}">
-                <a16:creationId xmlns="" xmlns:a16="http://schemas.microsoft.com/office/drawing/2014/main" id="{1C8C79E6-8F9D-4249-B9F7-352C3C52836A}"/>
+                <a16:creationId xmlns:a16="http://schemas.microsoft.com/office/drawing/2014/main" id="{1C8C79E6-8F9D-4249-B9F7-352C3C52836A}"/>
               </a:ext>
             </a:extLst>
           </p:cNvPr>
@@ -1316,7 +1326,7 @@
     </p:spTree>
     <p:extLst>
       <p:ext uri="{BB962C8B-B14F-4D97-AF65-F5344CB8AC3E}">
-        <p14:creationId xmlns="" xmlns:p14="http://schemas.microsoft.com/office/powerpoint/2010/main" val="490094459"/>
+        <p14:creationId xmlns:p14="http://schemas.microsoft.com/office/powerpoint/2010/main" val="490094459"/>
       </p:ext>
     </p:extLst>
   </p:cSld>
@@ -1348,7 +1358,7 @@
           <p:cNvPr id="2" name="Title 1">
             <a:extLst>
               <a:ext uri="{FF2B5EF4-FFF2-40B4-BE49-F238E27FC236}">
-                <a16:creationId xmlns="" xmlns:a16="http://schemas.microsoft.com/office/drawing/2014/main" id="{7A3F8CD0-CC09-4685-A6E3-C9BBA661D1BB}"/>
+                <a16:creationId xmlns:a16="http://schemas.microsoft.com/office/drawing/2014/main" id="{7A3F8CD0-CC09-4685-A6E3-C9BBA661D1BB}"/>
               </a:ext>
             </a:extLst>
           </p:cNvPr>
@@ -1377,7 +1387,7 @@
           <p:cNvPr id="3" name="Content Placeholder 2">
             <a:extLst>
               <a:ext uri="{FF2B5EF4-FFF2-40B4-BE49-F238E27FC236}">
-                <a16:creationId xmlns="" xmlns:a16="http://schemas.microsoft.com/office/drawing/2014/main" id="{E86E0423-F94B-4A20-BA08-6E113BA16B5F}"/>
+                <a16:creationId xmlns:a16="http://schemas.microsoft.com/office/drawing/2014/main" id="{E86E0423-F94B-4A20-BA08-6E113BA16B5F}"/>
               </a:ext>
             </a:extLst>
           </p:cNvPr>
@@ -1435,7 +1445,7 @@
           <p:cNvPr id="4" name="Date Placeholder 3">
             <a:extLst>
               <a:ext uri="{FF2B5EF4-FFF2-40B4-BE49-F238E27FC236}">
-                <a16:creationId xmlns="" xmlns:a16="http://schemas.microsoft.com/office/drawing/2014/main" id="{578F264F-4D1D-42F9-B1ED-BEA4739C0173}"/>
+                <a16:creationId xmlns:a16="http://schemas.microsoft.com/office/drawing/2014/main" id="{578F264F-4D1D-42F9-B1ED-BEA4739C0173}"/>
               </a:ext>
             </a:extLst>
           </p:cNvPr>
@@ -1454,7 +1464,7 @@
             <a:fld id="{33585BB6-7F57-4C30-AECB-DA0D27197DA6}" type="datetime1">
               <a:rPr lang="en-IN" smtClean="0"/>
               <a:pPr/>
-              <a:t>08-01-2021</a:t>
+              <a:t>05-08-2022</a:t>
             </a:fld>
             <a:endParaRPr lang="en-IN"/>
           </a:p>
@@ -1465,7 +1475,7 @@
           <p:cNvPr id="5" name="Footer Placeholder 4">
             <a:extLst>
               <a:ext uri="{FF2B5EF4-FFF2-40B4-BE49-F238E27FC236}">
-                <a16:creationId xmlns="" xmlns:a16="http://schemas.microsoft.com/office/drawing/2014/main" id="{F94B44A2-22EA-44B0-B219-7CB71AB849D0}"/>
+                <a16:creationId xmlns:a16="http://schemas.microsoft.com/office/drawing/2014/main" id="{F94B44A2-22EA-44B0-B219-7CB71AB849D0}"/>
               </a:ext>
             </a:extLst>
           </p:cNvPr>
@@ -1493,7 +1503,7 @@
           <p:cNvPr id="6" name="Slide Number Placeholder 5">
             <a:extLst>
               <a:ext uri="{FF2B5EF4-FFF2-40B4-BE49-F238E27FC236}">
-                <a16:creationId xmlns="" xmlns:a16="http://schemas.microsoft.com/office/drawing/2014/main" id="{8008506A-7EAE-470A-B749-0B43FF1F2B85}"/>
+                <a16:creationId xmlns:a16="http://schemas.microsoft.com/office/drawing/2014/main" id="{8008506A-7EAE-470A-B749-0B43FF1F2B85}"/>
               </a:ext>
             </a:extLst>
           </p:cNvPr>
@@ -1521,7 +1531,7 @@
     </p:spTree>
     <p:extLst>
       <p:ext uri="{BB962C8B-B14F-4D97-AF65-F5344CB8AC3E}">
-        <p14:creationId xmlns="" xmlns:p14="http://schemas.microsoft.com/office/powerpoint/2010/main" val="3169085163"/>
+        <p14:creationId xmlns:p14="http://schemas.microsoft.com/office/powerpoint/2010/main" val="3169085163"/>
       </p:ext>
     </p:extLst>
   </p:cSld>
@@ -1553,7 +1563,7 @@
           <p:cNvPr id="2" name="Title 1">
             <a:extLst>
               <a:ext uri="{FF2B5EF4-FFF2-40B4-BE49-F238E27FC236}">
-                <a16:creationId xmlns="" xmlns:a16="http://schemas.microsoft.com/office/drawing/2014/main" id="{E02D3BCC-6658-4BBB-B1FE-8A51C995B3F1}"/>
+                <a16:creationId xmlns:a16="http://schemas.microsoft.com/office/drawing/2014/main" id="{E02D3BCC-6658-4BBB-B1FE-8A51C995B3F1}"/>
               </a:ext>
             </a:extLst>
           </p:cNvPr>
@@ -1591,7 +1601,7 @@
           <p:cNvPr id="3" name="Text Placeholder 2">
             <a:extLst>
               <a:ext uri="{FF2B5EF4-FFF2-40B4-BE49-F238E27FC236}">
-                <a16:creationId xmlns="" xmlns:a16="http://schemas.microsoft.com/office/drawing/2014/main" id="{CAD09F01-5596-4590-B4B8-A77BBB859C23}"/>
+                <a16:creationId xmlns:a16="http://schemas.microsoft.com/office/drawing/2014/main" id="{CAD09F01-5596-4590-B4B8-A77BBB859C23}"/>
               </a:ext>
             </a:extLst>
           </p:cNvPr>
@@ -1716,7 +1726,7 @@
           <p:cNvPr id="4" name="Date Placeholder 3">
             <a:extLst>
               <a:ext uri="{FF2B5EF4-FFF2-40B4-BE49-F238E27FC236}">
-                <a16:creationId xmlns="" xmlns:a16="http://schemas.microsoft.com/office/drawing/2014/main" id="{ADF1DB20-F694-46E7-BA2E-E379D0D00061}"/>
+                <a16:creationId xmlns:a16="http://schemas.microsoft.com/office/drawing/2014/main" id="{ADF1DB20-F694-46E7-BA2E-E379D0D00061}"/>
               </a:ext>
             </a:extLst>
           </p:cNvPr>
@@ -1735,7 +1745,7 @@
             <a:fld id="{15BC85B2-39A4-4814-A92A-2973CDC9102C}" type="datetime1">
               <a:rPr lang="en-IN" smtClean="0"/>
               <a:pPr/>
-              <a:t>08-01-2021</a:t>
+              <a:t>05-08-2022</a:t>
             </a:fld>
             <a:endParaRPr lang="en-IN"/>
           </a:p>
@@ -1746,7 +1756,7 @@
           <p:cNvPr id="5" name="Footer Placeholder 4">
             <a:extLst>
               <a:ext uri="{FF2B5EF4-FFF2-40B4-BE49-F238E27FC236}">
-                <a16:creationId xmlns="" xmlns:a16="http://schemas.microsoft.com/office/drawing/2014/main" id="{D434FA37-DFF6-49FE-A511-D986E4430CAA}"/>
+                <a16:creationId xmlns:a16="http://schemas.microsoft.com/office/drawing/2014/main" id="{D434FA37-DFF6-49FE-A511-D986E4430CAA}"/>
               </a:ext>
             </a:extLst>
           </p:cNvPr>
@@ -1774,7 +1784,7 @@
           <p:cNvPr id="6" name="Slide Number Placeholder 5">
             <a:extLst>
               <a:ext uri="{FF2B5EF4-FFF2-40B4-BE49-F238E27FC236}">
-                <a16:creationId xmlns="" xmlns:a16="http://schemas.microsoft.com/office/drawing/2014/main" id="{7FAE922A-582D-412F-8D08-1961EBDE9F54}"/>
+                <a16:creationId xmlns:a16="http://schemas.microsoft.com/office/drawing/2014/main" id="{7FAE922A-582D-412F-8D08-1961EBDE9F54}"/>
               </a:ext>
             </a:extLst>
           </p:cNvPr>
@@ -1802,7 +1812,7 @@
     </p:spTree>
     <p:extLst>
       <p:ext uri="{BB962C8B-B14F-4D97-AF65-F5344CB8AC3E}">
-        <p14:creationId xmlns="" xmlns:p14="http://schemas.microsoft.com/office/powerpoint/2010/main" val="2686327399"/>
+        <p14:creationId xmlns:p14="http://schemas.microsoft.com/office/powerpoint/2010/main" val="2686327399"/>
       </p:ext>
     </p:extLst>
   </p:cSld>
@@ -1834,7 +1844,7 @@
           <p:cNvPr id="2" name="Title 1">
             <a:extLst>
               <a:ext uri="{FF2B5EF4-FFF2-40B4-BE49-F238E27FC236}">
-                <a16:creationId xmlns="" xmlns:a16="http://schemas.microsoft.com/office/drawing/2014/main" id="{05D7A0B4-7DDD-456B-868E-04A488A1642F}"/>
+                <a16:creationId xmlns:a16="http://schemas.microsoft.com/office/drawing/2014/main" id="{05D7A0B4-7DDD-456B-868E-04A488A1642F}"/>
               </a:ext>
             </a:extLst>
           </p:cNvPr>
@@ -1863,7 +1873,7 @@
           <p:cNvPr id="3" name="Content Placeholder 2">
             <a:extLst>
               <a:ext uri="{FF2B5EF4-FFF2-40B4-BE49-F238E27FC236}">
-                <a16:creationId xmlns="" xmlns:a16="http://schemas.microsoft.com/office/drawing/2014/main" id="{6EB7254B-1F41-4F92-8B68-9C674549E6FD}"/>
+                <a16:creationId xmlns:a16="http://schemas.microsoft.com/office/drawing/2014/main" id="{6EB7254B-1F41-4F92-8B68-9C674549E6FD}"/>
               </a:ext>
             </a:extLst>
           </p:cNvPr>
@@ -1926,7 +1936,7 @@
           <p:cNvPr id="4" name="Content Placeholder 3">
             <a:extLst>
               <a:ext uri="{FF2B5EF4-FFF2-40B4-BE49-F238E27FC236}">
-                <a16:creationId xmlns="" xmlns:a16="http://schemas.microsoft.com/office/drawing/2014/main" id="{414EA022-5DE4-44D3-9F22-F814D27A1DD8}"/>
+                <a16:creationId xmlns:a16="http://schemas.microsoft.com/office/drawing/2014/main" id="{414EA022-5DE4-44D3-9F22-F814D27A1DD8}"/>
               </a:ext>
             </a:extLst>
           </p:cNvPr>
@@ -1989,7 +1999,7 @@
           <p:cNvPr id="5" name="Date Placeholder 4">
             <a:extLst>
               <a:ext uri="{FF2B5EF4-FFF2-40B4-BE49-F238E27FC236}">
-                <a16:creationId xmlns="" xmlns:a16="http://schemas.microsoft.com/office/drawing/2014/main" id="{A0BB7E97-0CE2-40EF-9035-BABECA59DF67}"/>
+                <a16:creationId xmlns:a16="http://schemas.microsoft.com/office/drawing/2014/main" id="{A0BB7E97-0CE2-40EF-9035-BABECA59DF67}"/>
               </a:ext>
             </a:extLst>
           </p:cNvPr>
@@ -2008,7 +2018,7 @@
             <a:fld id="{E78293A2-8117-48A4-9605-23EE94DF99C3}" type="datetime1">
               <a:rPr lang="en-IN" smtClean="0"/>
               <a:pPr/>
-              <a:t>08-01-2021</a:t>
+              <a:t>05-08-2022</a:t>
             </a:fld>
             <a:endParaRPr lang="en-IN"/>
           </a:p>
@@ -2019,7 +2029,7 @@
           <p:cNvPr id="6" name="Footer Placeholder 5">
             <a:extLst>
               <a:ext uri="{FF2B5EF4-FFF2-40B4-BE49-F238E27FC236}">
-                <a16:creationId xmlns="" xmlns:a16="http://schemas.microsoft.com/office/drawing/2014/main" id="{1CA4F199-F1D8-4F41-9729-74072316AE62}"/>
+                <a16:creationId xmlns:a16="http://schemas.microsoft.com/office/drawing/2014/main" id="{1CA4F199-F1D8-4F41-9729-74072316AE62}"/>
               </a:ext>
             </a:extLst>
           </p:cNvPr>
@@ -2047,7 +2057,7 @@
           <p:cNvPr id="7" name="Slide Number Placeholder 6">
             <a:extLst>
               <a:ext uri="{FF2B5EF4-FFF2-40B4-BE49-F238E27FC236}">
-                <a16:creationId xmlns="" xmlns:a16="http://schemas.microsoft.com/office/drawing/2014/main" id="{9B038860-A321-47E1-A901-9A31ACA8B6F2}"/>
+                <a16:creationId xmlns:a16="http://schemas.microsoft.com/office/drawing/2014/main" id="{9B038860-A321-47E1-A901-9A31ACA8B6F2}"/>
               </a:ext>
             </a:extLst>
           </p:cNvPr>
@@ -2075,7 +2085,7 @@
     </p:spTree>
     <p:extLst>
       <p:ext uri="{BB962C8B-B14F-4D97-AF65-F5344CB8AC3E}">
-        <p14:creationId xmlns="" xmlns:p14="http://schemas.microsoft.com/office/powerpoint/2010/main" val="3156687366"/>
+        <p14:creationId xmlns:p14="http://schemas.microsoft.com/office/powerpoint/2010/main" val="3156687366"/>
       </p:ext>
     </p:extLst>
   </p:cSld>
@@ -2107,7 +2117,7 @@
           <p:cNvPr id="2" name="Title 1">
             <a:extLst>
               <a:ext uri="{FF2B5EF4-FFF2-40B4-BE49-F238E27FC236}">
-                <a16:creationId xmlns="" xmlns:a16="http://schemas.microsoft.com/office/drawing/2014/main" id="{7A1A48B7-EEB8-49FB-A0B5-6537290AA83C}"/>
+                <a16:creationId xmlns:a16="http://schemas.microsoft.com/office/drawing/2014/main" id="{7A1A48B7-EEB8-49FB-A0B5-6537290AA83C}"/>
               </a:ext>
             </a:extLst>
           </p:cNvPr>
@@ -2141,7 +2151,7 @@
           <p:cNvPr id="3" name="Text Placeholder 2">
             <a:extLst>
               <a:ext uri="{FF2B5EF4-FFF2-40B4-BE49-F238E27FC236}">
-                <a16:creationId xmlns="" xmlns:a16="http://schemas.microsoft.com/office/drawing/2014/main" id="{27CDACF7-9B14-4029-B2E7-54EE46CF7E9F}"/>
+                <a16:creationId xmlns:a16="http://schemas.microsoft.com/office/drawing/2014/main" id="{27CDACF7-9B14-4029-B2E7-54EE46CF7E9F}"/>
               </a:ext>
             </a:extLst>
           </p:cNvPr>
@@ -2212,7 +2222,7 @@
           <p:cNvPr id="4" name="Content Placeholder 3">
             <a:extLst>
               <a:ext uri="{FF2B5EF4-FFF2-40B4-BE49-F238E27FC236}">
-                <a16:creationId xmlns="" xmlns:a16="http://schemas.microsoft.com/office/drawing/2014/main" id="{848BA818-DC40-495F-BA3A-ECE379EED7C2}"/>
+                <a16:creationId xmlns:a16="http://schemas.microsoft.com/office/drawing/2014/main" id="{848BA818-DC40-495F-BA3A-ECE379EED7C2}"/>
               </a:ext>
             </a:extLst>
           </p:cNvPr>
@@ -2275,7 +2285,7 @@
           <p:cNvPr id="5" name="Text Placeholder 4">
             <a:extLst>
               <a:ext uri="{FF2B5EF4-FFF2-40B4-BE49-F238E27FC236}">
-                <a16:creationId xmlns="" xmlns:a16="http://schemas.microsoft.com/office/drawing/2014/main" id="{64E8DDCE-3A75-4288-862A-FEC0EAD1AED5}"/>
+                <a16:creationId xmlns:a16="http://schemas.microsoft.com/office/drawing/2014/main" id="{64E8DDCE-3A75-4288-862A-FEC0EAD1AED5}"/>
               </a:ext>
             </a:extLst>
           </p:cNvPr>
@@ -2346,7 +2356,7 @@
           <p:cNvPr id="6" name="Content Placeholder 5">
             <a:extLst>
               <a:ext uri="{FF2B5EF4-FFF2-40B4-BE49-F238E27FC236}">
-                <a16:creationId xmlns="" xmlns:a16="http://schemas.microsoft.com/office/drawing/2014/main" id="{0E44CC0A-DC5F-415B-8B31-0ABF5A8363C9}"/>
+                <a16:creationId xmlns:a16="http://schemas.microsoft.com/office/drawing/2014/main" id="{0E44CC0A-DC5F-415B-8B31-0ABF5A8363C9}"/>
               </a:ext>
             </a:extLst>
           </p:cNvPr>
@@ -2409,7 +2419,7 @@
           <p:cNvPr id="7" name="Date Placeholder 6">
             <a:extLst>
               <a:ext uri="{FF2B5EF4-FFF2-40B4-BE49-F238E27FC236}">
-                <a16:creationId xmlns="" xmlns:a16="http://schemas.microsoft.com/office/drawing/2014/main" id="{7000FD2E-C50D-41E4-B63A-E027608F6C65}"/>
+                <a16:creationId xmlns:a16="http://schemas.microsoft.com/office/drawing/2014/main" id="{7000FD2E-C50D-41E4-B63A-E027608F6C65}"/>
               </a:ext>
             </a:extLst>
           </p:cNvPr>
@@ -2428,7 +2438,7 @@
             <a:fld id="{5F75C8FC-84AC-4C10-ACC0-BD7AF63F7665}" type="datetime1">
               <a:rPr lang="en-IN" smtClean="0"/>
               <a:pPr/>
-              <a:t>08-01-2021</a:t>
+              <a:t>05-08-2022</a:t>
             </a:fld>
             <a:endParaRPr lang="en-IN"/>
           </a:p>
@@ -2439,7 +2449,7 @@
           <p:cNvPr id="8" name="Footer Placeholder 7">
             <a:extLst>
               <a:ext uri="{FF2B5EF4-FFF2-40B4-BE49-F238E27FC236}">
-                <a16:creationId xmlns="" xmlns:a16="http://schemas.microsoft.com/office/drawing/2014/main" id="{CA3C346B-A211-4AB4-8CD0-78AECC55BE95}"/>
+                <a16:creationId xmlns:a16="http://schemas.microsoft.com/office/drawing/2014/main" id="{CA3C346B-A211-4AB4-8CD0-78AECC55BE95}"/>
               </a:ext>
             </a:extLst>
           </p:cNvPr>
@@ -2467,7 +2477,7 @@
           <p:cNvPr id="9" name="Slide Number Placeholder 8">
             <a:extLst>
               <a:ext uri="{FF2B5EF4-FFF2-40B4-BE49-F238E27FC236}">
-                <a16:creationId xmlns="" xmlns:a16="http://schemas.microsoft.com/office/drawing/2014/main" id="{CA3B9F66-7773-41D1-BAC7-1779C683FB7B}"/>
+                <a16:creationId xmlns:a16="http://schemas.microsoft.com/office/drawing/2014/main" id="{CA3B9F66-7773-41D1-BAC7-1779C683FB7B}"/>
               </a:ext>
             </a:extLst>
           </p:cNvPr>
@@ -2495,7 +2505,7 @@
     </p:spTree>
     <p:extLst>
       <p:ext uri="{BB962C8B-B14F-4D97-AF65-F5344CB8AC3E}">
-        <p14:creationId xmlns="" xmlns:p14="http://schemas.microsoft.com/office/powerpoint/2010/main" val="1964104033"/>
+        <p14:creationId xmlns:p14="http://schemas.microsoft.com/office/powerpoint/2010/main" val="1964104033"/>
       </p:ext>
     </p:extLst>
   </p:cSld>
@@ -2527,7 +2537,7 @@
           <p:cNvPr id="2" name="Title 1">
             <a:extLst>
               <a:ext uri="{FF2B5EF4-FFF2-40B4-BE49-F238E27FC236}">
-                <a16:creationId xmlns="" xmlns:a16="http://schemas.microsoft.com/office/drawing/2014/main" id="{F5E723AA-C80A-48BC-AEC6-7DEB48525DC3}"/>
+                <a16:creationId xmlns:a16="http://schemas.microsoft.com/office/drawing/2014/main" id="{F5E723AA-C80A-48BC-AEC6-7DEB48525DC3}"/>
               </a:ext>
             </a:extLst>
           </p:cNvPr>
@@ -2556,7 +2566,7 @@
           <p:cNvPr id="3" name="Date Placeholder 2">
             <a:extLst>
               <a:ext uri="{FF2B5EF4-FFF2-40B4-BE49-F238E27FC236}">
-                <a16:creationId xmlns="" xmlns:a16="http://schemas.microsoft.com/office/drawing/2014/main" id="{BAF2A346-0D1B-4256-9132-CB879CE96A29}"/>
+                <a16:creationId xmlns:a16="http://schemas.microsoft.com/office/drawing/2014/main" id="{BAF2A346-0D1B-4256-9132-CB879CE96A29}"/>
               </a:ext>
             </a:extLst>
           </p:cNvPr>
@@ -2575,7 +2585,7 @@
             <a:fld id="{CFF0B640-F7B0-4E9F-B479-2364AFCFD561}" type="datetime1">
               <a:rPr lang="en-IN" smtClean="0"/>
               <a:pPr/>
-              <a:t>08-01-2021</a:t>
+              <a:t>05-08-2022</a:t>
             </a:fld>
             <a:endParaRPr lang="en-IN"/>
           </a:p>
@@ -2586,7 +2596,7 @@
           <p:cNvPr id="4" name="Footer Placeholder 3">
             <a:extLst>
               <a:ext uri="{FF2B5EF4-FFF2-40B4-BE49-F238E27FC236}">
-                <a16:creationId xmlns="" xmlns:a16="http://schemas.microsoft.com/office/drawing/2014/main" id="{4ED8BFEC-7F4E-42A1-8F8B-C963212FAB32}"/>
+                <a16:creationId xmlns:a16="http://schemas.microsoft.com/office/drawing/2014/main" id="{4ED8BFEC-7F4E-42A1-8F8B-C963212FAB32}"/>
               </a:ext>
             </a:extLst>
           </p:cNvPr>
@@ -2614,7 +2624,7 @@
           <p:cNvPr id="5" name="Slide Number Placeholder 4">
             <a:extLst>
               <a:ext uri="{FF2B5EF4-FFF2-40B4-BE49-F238E27FC236}">
-                <a16:creationId xmlns="" xmlns:a16="http://schemas.microsoft.com/office/drawing/2014/main" id="{EB37053D-177C-48FE-94BB-7D2BD7215589}"/>
+                <a16:creationId xmlns:a16="http://schemas.microsoft.com/office/drawing/2014/main" id="{EB37053D-177C-48FE-94BB-7D2BD7215589}"/>
               </a:ext>
             </a:extLst>
           </p:cNvPr>
@@ -2642,7 +2652,7 @@
     </p:spTree>
     <p:extLst>
       <p:ext uri="{BB962C8B-B14F-4D97-AF65-F5344CB8AC3E}">
-        <p14:creationId xmlns="" xmlns:p14="http://schemas.microsoft.com/office/powerpoint/2010/main" val="3597161547"/>
+        <p14:creationId xmlns:p14="http://schemas.microsoft.com/office/powerpoint/2010/main" val="3597161547"/>
       </p:ext>
     </p:extLst>
   </p:cSld>
@@ -2674,7 +2684,7 @@
           <p:cNvPr id="2" name="Date Placeholder 1">
             <a:extLst>
               <a:ext uri="{FF2B5EF4-FFF2-40B4-BE49-F238E27FC236}">
-                <a16:creationId xmlns="" xmlns:a16="http://schemas.microsoft.com/office/drawing/2014/main" id="{AECB7B5B-8618-4598-A42F-E77A5E7A5185}"/>
+                <a16:creationId xmlns:a16="http://schemas.microsoft.com/office/drawing/2014/main" id="{AECB7B5B-8618-4598-A42F-E77A5E7A5185}"/>
               </a:ext>
             </a:extLst>
           </p:cNvPr>
@@ -2693,7 +2703,7 @@
             <a:fld id="{28C955B1-F658-4E21-B29B-5C46404C65AF}" type="datetime1">
               <a:rPr lang="en-IN" smtClean="0"/>
               <a:pPr/>
-              <a:t>08-01-2021</a:t>
+              <a:t>05-08-2022</a:t>
             </a:fld>
             <a:endParaRPr lang="en-IN"/>
           </a:p>
@@ -2704,7 +2714,7 @@
           <p:cNvPr id="3" name="Footer Placeholder 2">
             <a:extLst>
               <a:ext uri="{FF2B5EF4-FFF2-40B4-BE49-F238E27FC236}">
-                <a16:creationId xmlns="" xmlns:a16="http://schemas.microsoft.com/office/drawing/2014/main" id="{0FC4A9AA-34C8-47A8-8FB6-82529E447BBC}"/>
+                <a16:creationId xmlns:a16="http://schemas.microsoft.com/office/drawing/2014/main" id="{0FC4A9AA-34C8-47A8-8FB6-82529E447BBC}"/>
               </a:ext>
             </a:extLst>
           </p:cNvPr>
@@ -2732,7 +2742,7 @@
           <p:cNvPr id="4" name="Slide Number Placeholder 3">
             <a:extLst>
               <a:ext uri="{FF2B5EF4-FFF2-40B4-BE49-F238E27FC236}">
-                <a16:creationId xmlns="" xmlns:a16="http://schemas.microsoft.com/office/drawing/2014/main" id="{595BD80E-88A3-4F3A-9F53-55EC3AC338B0}"/>
+                <a16:creationId xmlns:a16="http://schemas.microsoft.com/office/drawing/2014/main" id="{595BD80E-88A3-4F3A-9F53-55EC3AC338B0}"/>
               </a:ext>
             </a:extLst>
           </p:cNvPr>
@@ -2760,7 +2770,7 @@
     </p:spTree>
     <p:extLst>
       <p:ext uri="{BB962C8B-B14F-4D97-AF65-F5344CB8AC3E}">
-        <p14:creationId xmlns="" xmlns:p14="http://schemas.microsoft.com/office/powerpoint/2010/main" val="2941716652"/>
+        <p14:creationId xmlns:p14="http://schemas.microsoft.com/office/powerpoint/2010/main" val="2941716652"/>
       </p:ext>
     </p:extLst>
   </p:cSld>
@@ -2792,7 +2802,7 @@
           <p:cNvPr id="2" name="Title 1">
             <a:extLst>
               <a:ext uri="{FF2B5EF4-FFF2-40B4-BE49-F238E27FC236}">
-                <a16:creationId xmlns="" xmlns:a16="http://schemas.microsoft.com/office/drawing/2014/main" id="{4DB5D3AA-A5E3-4783-9DBA-B91ABD3FAA63}"/>
+                <a16:creationId xmlns:a16="http://schemas.microsoft.com/office/drawing/2014/main" id="{4DB5D3AA-A5E3-4783-9DBA-B91ABD3FAA63}"/>
               </a:ext>
             </a:extLst>
           </p:cNvPr>
@@ -2830,7 +2840,7 @@
           <p:cNvPr id="3" name="Content Placeholder 2">
             <a:extLst>
               <a:ext uri="{FF2B5EF4-FFF2-40B4-BE49-F238E27FC236}">
-                <a16:creationId xmlns="" xmlns:a16="http://schemas.microsoft.com/office/drawing/2014/main" id="{066D636D-3601-4BD1-ACEB-BBC34281A31A}"/>
+                <a16:creationId xmlns:a16="http://schemas.microsoft.com/office/drawing/2014/main" id="{066D636D-3601-4BD1-ACEB-BBC34281A31A}"/>
               </a:ext>
             </a:extLst>
           </p:cNvPr>
@@ -2921,7 +2931,7 @@
           <p:cNvPr id="4" name="Text Placeholder 3">
             <a:extLst>
               <a:ext uri="{FF2B5EF4-FFF2-40B4-BE49-F238E27FC236}">
-                <a16:creationId xmlns="" xmlns:a16="http://schemas.microsoft.com/office/drawing/2014/main" id="{4260A2C8-4279-438E-87E0-A01F7626235E}"/>
+                <a16:creationId xmlns:a16="http://schemas.microsoft.com/office/drawing/2014/main" id="{4260A2C8-4279-438E-87E0-A01F7626235E}"/>
               </a:ext>
             </a:extLst>
           </p:cNvPr>
@@ -2992,7 +3002,7 @@
           <p:cNvPr id="5" name="Date Placeholder 4">
             <a:extLst>
               <a:ext uri="{FF2B5EF4-FFF2-40B4-BE49-F238E27FC236}">
-                <a16:creationId xmlns="" xmlns:a16="http://schemas.microsoft.com/office/drawing/2014/main" id="{2AB60658-7026-4AFD-BCDA-22137F6C8610}"/>
+                <a16:creationId xmlns:a16="http://schemas.microsoft.com/office/drawing/2014/main" id="{2AB60658-7026-4AFD-BCDA-22137F6C8610}"/>
               </a:ext>
             </a:extLst>
           </p:cNvPr>
@@ -3011,7 +3021,7 @@
             <a:fld id="{1466127A-0CB8-41EB-AC70-2B05AA20CEB4}" type="datetime1">
               <a:rPr lang="en-IN" smtClean="0"/>
               <a:pPr/>
-              <a:t>08-01-2021</a:t>
+              <a:t>05-08-2022</a:t>
             </a:fld>
             <a:endParaRPr lang="en-IN"/>
           </a:p>
@@ -3022,7 +3032,7 @@
           <p:cNvPr id="6" name="Footer Placeholder 5">
             <a:extLst>
               <a:ext uri="{FF2B5EF4-FFF2-40B4-BE49-F238E27FC236}">
-                <a16:creationId xmlns="" xmlns:a16="http://schemas.microsoft.com/office/drawing/2014/main" id="{EEB0149A-2D3F-414A-8383-27F6EC7BF8A7}"/>
+                <a16:creationId xmlns:a16="http://schemas.microsoft.com/office/drawing/2014/main" id="{EEB0149A-2D3F-414A-8383-27F6EC7BF8A7}"/>
               </a:ext>
             </a:extLst>
           </p:cNvPr>
@@ -3050,7 +3060,7 @@
           <p:cNvPr id="7" name="Slide Number Placeholder 6">
             <a:extLst>
               <a:ext uri="{FF2B5EF4-FFF2-40B4-BE49-F238E27FC236}">
-                <a16:creationId xmlns="" xmlns:a16="http://schemas.microsoft.com/office/drawing/2014/main" id="{E88A4C9F-0C49-4ED0-AEAE-CBB1E79DC9AF}"/>
+                <a16:creationId xmlns:a16="http://schemas.microsoft.com/office/drawing/2014/main" id="{E88A4C9F-0C49-4ED0-AEAE-CBB1E79DC9AF}"/>
               </a:ext>
             </a:extLst>
           </p:cNvPr>
@@ -3078,7 +3088,7 @@
     </p:spTree>
     <p:extLst>
       <p:ext uri="{BB962C8B-B14F-4D97-AF65-F5344CB8AC3E}">
-        <p14:creationId xmlns="" xmlns:p14="http://schemas.microsoft.com/office/powerpoint/2010/main" val="2051323390"/>
+        <p14:creationId xmlns:p14="http://schemas.microsoft.com/office/powerpoint/2010/main" val="2051323390"/>
       </p:ext>
     </p:extLst>
   </p:cSld>
@@ -3110,7 +3120,7 @@
           <p:cNvPr id="2" name="Title 1">
             <a:extLst>
               <a:ext uri="{FF2B5EF4-FFF2-40B4-BE49-F238E27FC236}">
-                <a16:creationId xmlns="" xmlns:a16="http://schemas.microsoft.com/office/drawing/2014/main" id="{77ED40B7-5D4B-4A58-B13A-74F6D61D6C0F}"/>
+                <a16:creationId xmlns:a16="http://schemas.microsoft.com/office/drawing/2014/main" id="{77ED40B7-5D4B-4A58-B13A-74F6D61D6C0F}"/>
               </a:ext>
             </a:extLst>
           </p:cNvPr>
@@ -3148,7 +3158,7 @@
           <p:cNvPr id="3" name="Picture Placeholder 2">
             <a:extLst>
               <a:ext uri="{FF2B5EF4-FFF2-40B4-BE49-F238E27FC236}">
-                <a16:creationId xmlns="" xmlns:a16="http://schemas.microsoft.com/office/drawing/2014/main" id="{6AAFA2D4-EE9C-48E1-87D3-42D611AA03AB}"/>
+                <a16:creationId xmlns:a16="http://schemas.microsoft.com/office/drawing/2014/main" id="{6AAFA2D4-EE9C-48E1-87D3-42D611AA03AB}"/>
               </a:ext>
             </a:extLst>
           </p:cNvPr>
@@ -3215,7 +3225,7 @@
           <p:cNvPr id="4" name="Text Placeholder 3">
             <a:extLst>
               <a:ext uri="{FF2B5EF4-FFF2-40B4-BE49-F238E27FC236}">
-                <a16:creationId xmlns="" xmlns:a16="http://schemas.microsoft.com/office/drawing/2014/main" id="{AE8C3D02-5D72-4538-BA17-9869B87C70AD}"/>
+                <a16:creationId xmlns:a16="http://schemas.microsoft.com/office/drawing/2014/main" id="{AE8C3D02-5D72-4538-BA17-9869B87C70AD}"/>
               </a:ext>
             </a:extLst>
           </p:cNvPr>
@@ -3286,7 +3296,7 @@
           <p:cNvPr id="5" name="Date Placeholder 4">
             <a:extLst>
               <a:ext uri="{FF2B5EF4-FFF2-40B4-BE49-F238E27FC236}">
-                <a16:creationId xmlns="" xmlns:a16="http://schemas.microsoft.com/office/drawing/2014/main" id="{F00D4831-4453-4D03-A9AA-7C6196C82F6E}"/>
+                <a16:creationId xmlns:a16="http://schemas.microsoft.com/office/drawing/2014/main" id="{F00D4831-4453-4D03-A9AA-7C6196C82F6E}"/>
               </a:ext>
             </a:extLst>
           </p:cNvPr>
@@ -3305,7 +3315,7 @@
             <a:fld id="{880E169A-C6D0-47B8-83D4-F4CEB7EC43EC}" type="datetime1">
               <a:rPr lang="en-IN" smtClean="0"/>
               <a:pPr/>
-              <a:t>08-01-2021</a:t>
+              <a:t>05-08-2022</a:t>
             </a:fld>
             <a:endParaRPr lang="en-IN"/>
           </a:p>
@@ -3316,7 +3326,7 @@
           <p:cNvPr id="6" name="Footer Placeholder 5">
             <a:extLst>
               <a:ext uri="{FF2B5EF4-FFF2-40B4-BE49-F238E27FC236}">
-                <a16:creationId xmlns="" xmlns:a16="http://schemas.microsoft.com/office/drawing/2014/main" id="{3356C28A-74DE-4994-8DF8-7BF27E18AACF}"/>
+                <a16:creationId xmlns:a16="http://schemas.microsoft.com/office/drawing/2014/main" id="{3356C28A-74DE-4994-8DF8-7BF27E18AACF}"/>
               </a:ext>
             </a:extLst>
           </p:cNvPr>
@@ -3344,7 +3354,7 @@
           <p:cNvPr id="7" name="Slide Number Placeholder 6">
             <a:extLst>
               <a:ext uri="{FF2B5EF4-FFF2-40B4-BE49-F238E27FC236}">
-                <a16:creationId xmlns="" xmlns:a16="http://schemas.microsoft.com/office/drawing/2014/main" id="{F25F87BE-663F-48C0-BE8A-EAA4B76862E8}"/>
+                <a16:creationId xmlns:a16="http://schemas.microsoft.com/office/drawing/2014/main" id="{F25F87BE-663F-48C0-BE8A-EAA4B76862E8}"/>
               </a:ext>
             </a:extLst>
           </p:cNvPr>
@@ -3372,7 +3382,7 @@
     </p:spTree>
     <p:extLst>
       <p:ext uri="{BB962C8B-B14F-4D97-AF65-F5344CB8AC3E}">
-        <p14:creationId xmlns="" xmlns:p14="http://schemas.microsoft.com/office/powerpoint/2010/main" val="4266628113"/>
+        <p14:creationId xmlns:p14="http://schemas.microsoft.com/office/powerpoint/2010/main" val="4266628113"/>
       </p:ext>
     </p:extLst>
   </p:cSld>
@@ -3409,7 +3419,7 @@
           <p:cNvPr id="2" name="Title Placeholder 1">
             <a:extLst>
               <a:ext uri="{FF2B5EF4-FFF2-40B4-BE49-F238E27FC236}">
-                <a16:creationId xmlns="" xmlns:a16="http://schemas.microsoft.com/office/drawing/2014/main" id="{BE61CC49-6A6E-4458-B7D5-F57D53CAD69C}"/>
+                <a16:creationId xmlns:a16="http://schemas.microsoft.com/office/drawing/2014/main" id="{BE61CC49-6A6E-4458-B7D5-F57D53CAD69C}"/>
               </a:ext>
             </a:extLst>
           </p:cNvPr>
@@ -3448,7 +3458,7 @@
           <p:cNvPr id="3" name="Text Placeholder 2">
             <a:extLst>
               <a:ext uri="{FF2B5EF4-FFF2-40B4-BE49-F238E27FC236}">
-                <a16:creationId xmlns="" xmlns:a16="http://schemas.microsoft.com/office/drawing/2014/main" id="{CAF71B4D-5EE4-4B37-8114-5D368C160456}"/>
+                <a16:creationId xmlns:a16="http://schemas.microsoft.com/office/drawing/2014/main" id="{CAF71B4D-5EE4-4B37-8114-5D368C160456}"/>
               </a:ext>
             </a:extLst>
           </p:cNvPr>
@@ -3516,7 +3526,7 @@
           <p:cNvPr id="4" name="Date Placeholder 3">
             <a:extLst>
               <a:ext uri="{FF2B5EF4-FFF2-40B4-BE49-F238E27FC236}">
-                <a16:creationId xmlns="" xmlns:a16="http://schemas.microsoft.com/office/drawing/2014/main" id="{470161EA-61A4-45FE-B63D-DC877E80F97E}"/>
+                <a16:creationId xmlns:a16="http://schemas.microsoft.com/office/drawing/2014/main" id="{470161EA-61A4-45FE-B63D-DC877E80F97E}"/>
               </a:ext>
             </a:extLst>
           </p:cNvPr>
@@ -3553,7 +3563,7 @@
             <a:fld id="{338274BC-1E24-44A8-9040-DB21F7AFD224}" type="datetime1">
               <a:rPr lang="en-IN" smtClean="0"/>
               <a:pPr/>
-              <a:t>08-01-2021</a:t>
+              <a:t>05-08-2022</a:t>
             </a:fld>
             <a:endParaRPr lang="en-IN"/>
           </a:p>
@@ -3564,7 +3574,7 @@
           <p:cNvPr id="5" name="Footer Placeholder 4">
             <a:extLst>
               <a:ext uri="{FF2B5EF4-FFF2-40B4-BE49-F238E27FC236}">
-                <a16:creationId xmlns="" xmlns:a16="http://schemas.microsoft.com/office/drawing/2014/main" id="{4AC497DB-E57A-4B4A-A292-2720D15BCA52}"/>
+                <a16:creationId xmlns:a16="http://schemas.microsoft.com/office/drawing/2014/main" id="{4AC497DB-E57A-4B4A-A292-2720D15BCA52}"/>
               </a:ext>
             </a:extLst>
           </p:cNvPr>
@@ -3610,7 +3620,7 @@
           <p:cNvPr id="6" name="Slide Number Placeholder 5">
             <a:extLst>
               <a:ext uri="{FF2B5EF4-FFF2-40B4-BE49-F238E27FC236}">
-                <a16:creationId xmlns="" xmlns:a16="http://schemas.microsoft.com/office/drawing/2014/main" id="{03EC2572-16A3-43B1-A9DF-517466262036}"/>
+                <a16:creationId xmlns:a16="http://schemas.microsoft.com/office/drawing/2014/main" id="{03EC2572-16A3-43B1-A9DF-517466262036}"/>
               </a:ext>
             </a:extLst>
           </p:cNvPr>
@@ -3656,7 +3666,7 @@
     </p:spTree>
     <p:extLst>
       <p:ext uri="{BB962C8B-B14F-4D97-AF65-F5344CB8AC3E}">
-        <p14:creationId xmlns="" xmlns:p14="http://schemas.microsoft.com/office/powerpoint/2010/main" val="3337745642"/>
+        <p14:creationId xmlns:p14="http://schemas.microsoft.com/office/powerpoint/2010/main" val="3337745642"/>
       </p:ext>
     </p:extLst>
   </p:cSld>
@@ -3980,7 +3990,7 @@
           <p:cNvPr id="2" name="Title 1">
             <a:extLst>
               <a:ext uri="{FF2B5EF4-FFF2-40B4-BE49-F238E27FC236}">
-                <a16:creationId xmlns="" xmlns:a16="http://schemas.microsoft.com/office/drawing/2014/main" id="{0D2FA290-8B3A-4103-A00E-06244A24C22B}"/>
+                <a16:creationId xmlns:a16="http://schemas.microsoft.com/office/drawing/2014/main" id="{0D2FA290-8B3A-4103-A00E-06244A24C22B}"/>
               </a:ext>
             </a:extLst>
           </p:cNvPr>
@@ -4004,16 +4014,12 @@
           <a:lstStyle/>
           <a:p>
             <a:r>
-              <a:rPr lang="en-IN" sz="4800" dirty="0" smtClean="0">
+              <a:rPr lang="en-IN" sz="4800" dirty="0">
                 <a:latin typeface="Arial" panose="020B0604020202020204" pitchFamily="34" charset="0"/>
                 <a:cs typeface="Arial" panose="020B0604020202020204" pitchFamily="34" charset="0"/>
               </a:rPr>
               <a:t>Angular Unit Testing</a:t>
             </a:r>
-            <a:endParaRPr lang="en-IN" sz="4800" dirty="0">
-              <a:latin typeface="Arial" panose="020B0604020202020204" pitchFamily="34" charset="0"/>
-              <a:cs typeface="Arial" panose="020B0604020202020204" pitchFamily="34" charset="0"/>
-            </a:endParaRPr>
           </a:p>
         </p:txBody>
       </p:sp>
@@ -4022,7 +4028,7 @@
           <p:cNvPr id="3" name="Subtitle 2">
             <a:extLst>
               <a:ext uri="{FF2B5EF4-FFF2-40B4-BE49-F238E27FC236}">
-                <a16:creationId xmlns="" xmlns:a16="http://schemas.microsoft.com/office/drawing/2014/main" id="{DDB74BFB-7A18-4DF0-8E46-E05235A52D36}"/>
+                <a16:creationId xmlns:a16="http://schemas.microsoft.com/office/drawing/2014/main" id="{DDB74BFB-7A18-4DF0-8E46-E05235A52D36}"/>
               </a:ext>
             </a:extLst>
           </p:cNvPr>
@@ -4110,7 +4116,7 @@
           <p:cNvPr id="4" name="Footer Placeholder 3">
             <a:extLst>
               <a:ext uri="{FF2B5EF4-FFF2-40B4-BE49-F238E27FC236}">
-                <a16:creationId xmlns="" xmlns:a16="http://schemas.microsoft.com/office/drawing/2014/main" id="{5DC57037-1BA5-4CBD-8260-3759DECD79B3}"/>
+                <a16:creationId xmlns:a16="http://schemas.microsoft.com/office/drawing/2014/main" id="{5DC57037-1BA5-4CBD-8260-3759DECD79B3}"/>
               </a:ext>
             </a:extLst>
           </p:cNvPr>
@@ -4155,7 +4161,7 @@
           <p:cNvPr id="5" name="Slide Number Placeholder 4">
             <a:extLst>
               <a:ext uri="{FF2B5EF4-FFF2-40B4-BE49-F238E27FC236}">
-                <a16:creationId xmlns="" xmlns:a16="http://schemas.microsoft.com/office/drawing/2014/main" id="{4B1DA70F-03AB-406E-88DC-93CC074316E2}"/>
+                <a16:creationId xmlns:a16="http://schemas.microsoft.com/office/drawing/2014/main" id="{4B1DA70F-03AB-406E-88DC-93CC074316E2}"/>
               </a:ext>
             </a:extLst>
           </p:cNvPr>
@@ -4191,7 +4197,7 @@
           <p:cNvPr id="6" name="Picture 5">
             <a:extLst>
               <a:ext uri="{FF2B5EF4-FFF2-40B4-BE49-F238E27FC236}">
-                <a16:creationId xmlns="" xmlns:a16="http://schemas.microsoft.com/office/drawing/2014/main" id="{D58CA0BA-22B3-4799-B5ED-F2E6B980E2E7}"/>
+                <a16:creationId xmlns:a16="http://schemas.microsoft.com/office/drawing/2014/main" id="{D58CA0BA-22B3-4799-B5ED-F2E6B980E2E7}"/>
               </a:ext>
             </a:extLst>
           </p:cNvPr>
@@ -4204,7 +4210,7 @@
           <a:blip r:embed="rId3">
             <a:extLst>
               <a:ext uri="{28A0092B-C50C-407E-A947-70E740481C1C}">
-                <a14:useLocalDpi xmlns="" xmlns:a14="http://schemas.microsoft.com/office/drawing/2010/main" val="0"/>
+                <a14:useLocalDpi xmlns:a14="http://schemas.microsoft.com/office/drawing/2010/main" val="0"/>
               </a:ext>
             </a:extLst>
           </a:blip>
@@ -4225,7 +4231,7 @@
     </p:spTree>
     <p:extLst>
       <p:ext uri="{BB962C8B-B14F-4D97-AF65-F5344CB8AC3E}">
-        <p14:creationId xmlns="" xmlns:p14="http://schemas.microsoft.com/office/powerpoint/2010/main" val="576708192"/>
+        <p14:creationId xmlns:p14="http://schemas.microsoft.com/office/powerpoint/2010/main" val="576708192"/>
       </p:ext>
     </p:extLst>
   </p:cSld>
@@ -4254,120 +4260,10 @@
       </p:grpSpPr>
       <p:sp>
         <p:nvSpPr>
-          <p:cNvPr id="2" name="Title 1"/>
-          <p:cNvSpPr>
-            <a:spLocks noGrp="1"/>
-          </p:cNvSpPr>
-          <p:nvPr>
-            <p:ph type="title"/>
-          </p:nvPr>
-        </p:nvSpPr>
-        <p:spPr/>
-        <p:txBody>
-          <a:bodyPr/>
-          <a:lstStyle/>
-          <a:p>
-            <a:endParaRPr lang="en-US"/>
-          </a:p>
-        </p:txBody>
-      </p:sp>
-      <p:sp>
-        <p:nvSpPr>
-          <p:cNvPr id="3" name="Content Placeholder 2"/>
-          <p:cNvSpPr>
-            <a:spLocks noGrp="1"/>
-          </p:cNvSpPr>
-          <p:nvPr>
-            <p:ph idx="1"/>
-          </p:nvPr>
-        </p:nvSpPr>
-        <p:spPr/>
-        <p:txBody>
-          <a:bodyPr/>
-          <a:lstStyle/>
-          <a:p>
-            <a:endParaRPr lang="en-US"/>
-          </a:p>
-        </p:txBody>
-      </p:sp>
-      <p:sp>
-        <p:nvSpPr>
-          <p:cNvPr id="4" name="Footer Placeholder 3"/>
-          <p:cNvSpPr>
-            <a:spLocks noGrp="1"/>
-          </p:cNvSpPr>
-          <p:nvPr>
-            <p:ph type="ftr" sz="quarter" idx="11"/>
-          </p:nvPr>
-        </p:nvSpPr>
-        <p:spPr/>
-        <p:txBody>
-          <a:bodyPr/>
-          <a:lstStyle/>
-          <a:p>
-            <a:r>
-              <a:rPr lang="en-IN" smtClean="0"/>
-              <a:t>www.kaushalya.tech</a:t>
-            </a:r>
-            <a:endParaRPr lang="en-IN"/>
-          </a:p>
-        </p:txBody>
-      </p:sp>
-      <p:sp>
-        <p:nvSpPr>
-          <p:cNvPr id="5" name="Slide Number Placeholder 4"/>
-          <p:cNvSpPr>
-            <a:spLocks noGrp="1"/>
-          </p:cNvSpPr>
-          <p:nvPr>
-            <p:ph type="sldNum" sz="quarter" idx="12"/>
-          </p:nvPr>
-        </p:nvSpPr>
-        <p:spPr/>
-        <p:txBody>
-          <a:bodyPr/>
-          <a:lstStyle/>
-          <a:p>
-            <a:fld id="{D300B680-4920-456B-94E7-EB6DEF2EAF04}" type="slidenum">
-              <a:rPr lang="en-IN" smtClean="0"/>
-              <a:pPr/>
-              <a:t>10</a:t>
-            </a:fld>
-            <a:endParaRPr lang="en-IN"/>
-          </a:p>
-        </p:txBody>
-      </p:sp>
-    </p:spTree>
-  </p:cSld>
-  <p:clrMapOvr>
-    <a:masterClrMapping/>
-  </p:clrMapOvr>
-</p:sld>
-</file>
-
-<file path=ppt/slides/slide11.xml><?xml version="1.0" encoding="utf-8"?>
-<p:sld xmlns:a="http://schemas.openxmlformats.org/drawingml/2006/main" xmlns:r="http://schemas.openxmlformats.org/officeDocument/2006/relationships" xmlns:p="http://schemas.openxmlformats.org/presentationml/2006/main">
-  <p:cSld>
-    <p:spTree>
-      <p:nvGrpSpPr>
-        <p:cNvPr id="1" name=""/>
-        <p:cNvGrpSpPr/>
-        <p:nvPr/>
-      </p:nvGrpSpPr>
-      <p:grpSpPr>
-        <a:xfrm>
-          <a:off x="0" y="0"/>
-          <a:ext cx="0" cy="0"/>
-          <a:chOff x="0" y="0"/>
-          <a:chExt cx="0" cy="0"/>
-        </a:xfrm>
-      </p:grpSpPr>
-      <p:sp>
-        <p:nvSpPr>
           <p:cNvPr id="2" name="Title 1">
             <a:extLst>
               <a:ext uri="{FF2B5EF4-FFF2-40B4-BE49-F238E27FC236}">
-                <a16:creationId xmlns="" xmlns:a16="http://schemas.microsoft.com/office/drawing/2014/main" id="{0D2FA290-8B3A-4103-A00E-06244A24C22B}"/>
+                <a16:creationId xmlns:a16="http://schemas.microsoft.com/office/drawing/2014/main" id="{0D2FA290-8B3A-4103-A00E-06244A24C22B}"/>
               </a:ext>
             </a:extLst>
           </p:cNvPr>
@@ -4405,7 +4301,7 @@
           <p:cNvPr id="3" name="Subtitle 2">
             <a:extLst>
               <a:ext uri="{FF2B5EF4-FFF2-40B4-BE49-F238E27FC236}">
-                <a16:creationId xmlns="" xmlns:a16="http://schemas.microsoft.com/office/drawing/2014/main" id="{DDB74BFB-7A18-4DF0-8E46-E05235A52D36}"/>
+                <a16:creationId xmlns:a16="http://schemas.microsoft.com/office/drawing/2014/main" id="{DDB74BFB-7A18-4DF0-8E46-E05235A52D36}"/>
               </a:ext>
             </a:extLst>
           </p:cNvPr>
@@ -4488,7 +4384,7 @@
           <p:cNvPr id="4" name="Footer Placeholder 3">
             <a:extLst>
               <a:ext uri="{FF2B5EF4-FFF2-40B4-BE49-F238E27FC236}">
-                <a16:creationId xmlns="" xmlns:a16="http://schemas.microsoft.com/office/drawing/2014/main" id="{5DC57037-1BA5-4CBD-8260-3759DECD79B3}"/>
+                <a16:creationId xmlns:a16="http://schemas.microsoft.com/office/drawing/2014/main" id="{5DC57037-1BA5-4CBD-8260-3759DECD79B3}"/>
               </a:ext>
             </a:extLst>
           </p:cNvPr>
@@ -4533,7 +4429,7 @@
           <p:cNvPr id="5" name="Slide Number Placeholder 4">
             <a:extLst>
               <a:ext uri="{FF2B5EF4-FFF2-40B4-BE49-F238E27FC236}">
-                <a16:creationId xmlns="" xmlns:a16="http://schemas.microsoft.com/office/drawing/2014/main" id="{4B1DA70F-03AB-406E-88DC-93CC074316E2}"/>
+                <a16:creationId xmlns:a16="http://schemas.microsoft.com/office/drawing/2014/main" id="{4B1DA70F-03AB-406E-88DC-93CC074316E2}"/>
               </a:ext>
             </a:extLst>
           </p:cNvPr>
@@ -4555,7 +4451,7 @@
                 <a:cs typeface="Arial" panose="020B0604020202020204" pitchFamily="34" charset="0"/>
               </a:rPr>
               <a:pPr/>
-              <a:t>11</a:t>
+              <a:t>10</a:t>
             </a:fld>
             <a:endParaRPr lang="en-IN" dirty="0">
               <a:latin typeface="Arial" panose="020B0604020202020204" pitchFamily="34" charset="0"/>
@@ -4569,7 +4465,7 @@
           <p:cNvPr id="6" name="Picture 5">
             <a:extLst>
               <a:ext uri="{FF2B5EF4-FFF2-40B4-BE49-F238E27FC236}">
-                <a16:creationId xmlns="" xmlns:a16="http://schemas.microsoft.com/office/drawing/2014/main" id="{D58CA0BA-22B3-4799-B5ED-F2E6B980E2E7}"/>
+                <a16:creationId xmlns:a16="http://schemas.microsoft.com/office/drawing/2014/main" id="{D58CA0BA-22B3-4799-B5ED-F2E6B980E2E7}"/>
               </a:ext>
             </a:extLst>
           </p:cNvPr>
@@ -4582,7 +4478,7 @@
           <a:blip r:embed="rId2">
             <a:extLst>
               <a:ext uri="{28A0092B-C50C-407E-A947-70E740481C1C}">
-                <a14:useLocalDpi xmlns="" xmlns:a14="http://schemas.microsoft.com/office/drawing/2010/main" val="0"/>
+                <a14:useLocalDpi xmlns:a14="http://schemas.microsoft.com/office/drawing/2010/main" val="0"/>
               </a:ext>
             </a:extLst>
           </a:blip>
@@ -4603,20 +4499,13 @@
     </p:spTree>
     <p:extLst>
       <p:ext uri="{BB962C8B-B14F-4D97-AF65-F5344CB8AC3E}">
-        <p14:creationId xmlns="" xmlns:p14="http://schemas.microsoft.com/office/powerpoint/2010/main" val="2011424736"/>
+        <p14:creationId xmlns:p14="http://schemas.microsoft.com/office/powerpoint/2010/main" val="2011424736"/>
       </p:ext>
     </p:extLst>
   </p:cSld>
   <p:clrMapOvr>
     <a:masterClrMapping/>
   </p:clrMapOvr>
-  <p:timing>
-    <p:tnLst>
-      <p:par>
-        <p:cTn id="1" dur="indefinite" restart="never" nodeType="tmRoot"/>
-      </p:par>
-    </p:tnLst>
-  </p:timing>
 </p:sld>
 </file>
 
@@ -4642,7 +4531,7 @@
           <p:cNvPr id="2" name="Title 1">
             <a:extLst>
               <a:ext uri="{FF2B5EF4-FFF2-40B4-BE49-F238E27FC236}">
-                <a16:creationId xmlns="" xmlns:a16="http://schemas.microsoft.com/office/drawing/2014/main" id="{1A41D3BD-21ED-4200-A35D-5864E79FFE5E}"/>
+                <a16:creationId xmlns:a16="http://schemas.microsoft.com/office/drawing/2014/main" id="{1A41D3BD-21ED-4200-A35D-5864E79FFE5E}"/>
               </a:ext>
             </a:extLst>
           </p:cNvPr>
@@ -4675,7 +4564,7 @@
           <p:cNvPr id="3" name="Content Placeholder 2">
             <a:extLst>
               <a:ext uri="{FF2B5EF4-FFF2-40B4-BE49-F238E27FC236}">
-                <a16:creationId xmlns="" xmlns:a16="http://schemas.microsoft.com/office/drawing/2014/main" id="{70EAE32C-01B9-4D24-8F7D-680E6749ACEE}"/>
+                <a16:creationId xmlns:a16="http://schemas.microsoft.com/office/drawing/2014/main" id="{70EAE32C-01B9-4D24-8F7D-680E6749ACEE}"/>
               </a:ext>
             </a:extLst>
           </p:cNvPr>
@@ -4928,7 +4817,7 @@
           <p:cNvPr id="5" name="Picture 4">
             <a:extLst>
               <a:ext uri="{FF2B5EF4-FFF2-40B4-BE49-F238E27FC236}">
-                <a16:creationId xmlns="" xmlns:a16="http://schemas.microsoft.com/office/drawing/2014/main" id="{0654D7DE-1A90-4635-B9D2-52FDA6B082FD}"/>
+                <a16:creationId xmlns:a16="http://schemas.microsoft.com/office/drawing/2014/main" id="{0654D7DE-1A90-4635-B9D2-52FDA6B082FD}"/>
               </a:ext>
             </a:extLst>
           </p:cNvPr>
@@ -4941,7 +4830,7 @@
           <a:blip r:embed="rId2" cstate="print">
             <a:extLst>
               <a:ext uri="{28A0092B-C50C-407E-A947-70E740481C1C}">
-                <a14:useLocalDpi xmlns="" xmlns:a14="http://schemas.microsoft.com/office/drawing/2010/main" val="0"/>
+                <a14:useLocalDpi xmlns:a14="http://schemas.microsoft.com/office/drawing/2010/main" val="0"/>
               </a:ext>
             </a:extLst>
           </a:blip>
@@ -4962,7 +4851,7 @@
     </p:spTree>
     <p:extLst>
       <p:ext uri="{BB962C8B-B14F-4D97-AF65-F5344CB8AC3E}">
-        <p14:creationId xmlns="" xmlns:p14="http://schemas.microsoft.com/office/powerpoint/2010/main" val="1403244045"/>
+        <p14:creationId xmlns:p14="http://schemas.microsoft.com/office/powerpoint/2010/main" val="1403244045"/>
       </p:ext>
     </p:extLst>
   </p:cSld>
@@ -4994,7 +4883,7 @@
           <p:cNvPr id="2" name="Title 1">
             <a:extLst>
               <a:ext uri="{FF2B5EF4-FFF2-40B4-BE49-F238E27FC236}">
-                <a16:creationId xmlns="" xmlns:a16="http://schemas.microsoft.com/office/drawing/2014/main" id="{D5976393-01BB-428F-8642-D325E9ED1E5B}"/>
+                <a16:creationId xmlns:a16="http://schemas.microsoft.com/office/drawing/2014/main" id="{D5976393-01BB-428F-8642-D325E9ED1E5B}"/>
               </a:ext>
             </a:extLst>
           </p:cNvPr>
@@ -5011,16 +4900,12 @@
           <a:lstStyle/>
           <a:p>
             <a:r>
-              <a:rPr lang="en-IN" dirty="0" smtClean="0">
+              <a:rPr lang="en-IN" dirty="0">
                 <a:latin typeface="Arial" panose="020B0604020202020204" pitchFamily="34" charset="0"/>
                 <a:cs typeface="Arial" panose="020B0604020202020204" pitchFamily="34" charset="0"/>
               </a:rPr>
               <a:t>Jasmine</a:t>
             </a:r>
-            <a:endParaRPr lang="en-IN" dirty="0">
-              <a:latin typeface="Arial" panose="020B0604020202020204" pitchFamily="34" charset="0"/>
-              <a:cs typeface="Arial" panose="020B0604020202020204" pitchFamily="34" charset="0"/>
-            </a:endParaRPr>
           </a:p>
         </p:txBody>
       </p:sp>
@@ -5029,7 +4914,7 @@
           <p:cNvPr id="4" name="Footer Placeholder 3">
             <a:extLst>
               <a:ext uri="{FF2B5EF4-FFF2-40B4-BE49-F238E27FC236}">
-                <a16:creationId xmlns="" xmlns:a16="http://schemas.microsoft.com/office/drawing/2014/main" id="{225E687A-3841-43E9-A660-E12990A18BBE}"/>
+                <a16:creationId xmlns:a16="http://schemas.microsoft.com/office/drawing/2014/main" id="{225E687A-3841-43E9-A660-E12990A18BBE}"/>
               </a:ext>
             </a:extLst>
           </p:cNvPr>
@@ -5060,7 +4945,7 @@
           <p:cNvPr id="5" name="Slide Number Placeholder 4">
             <a:extLst>
               <a:ext uri="{FF2B5EF4-FFF2-40B4-BE49-F238E27FC236}">
-                <a16:creationId xmlns="" xmlns:a16="http://schemas.microsoft.com/office/drawing/2014/main" id="{0DAEE1CA-D53F-4736-8F8C-F0F7031EFAA5}"/>
+                <a16:creationId xmlns:a16="http://schemas.microsoft.com/office/drawing/2014/main" id="{0DAEE1CA-D53F-4736-8F8C-F0F7031EFAA5}"/>
               </a:ext>
             </a:extLst>
           </p:cNvPr>
@@ -5090,7 +4975,7 @@
           <p:cNvPr id="7" name="Picture 6">
             <a:extLst>
               <a:ext uri="{FF2B5EF4-FFF2-40B4-BE49-F238E27FC236}">
-                <a16:creationId xmlns="" xmlns:a16="http://schemas.microsoft.com/office/drawing/2014/main" id="{0C376FEC-7B49-40D0-9138-4319452F0A1B}"/>
+                <a16:creationId xmlns:a16="http://schemas.microsoft.com/office/drawing/2014/main" id="{0C376FEC-7B49-40D0-9138-4319452F0A1B}"/>
               </a:ext>
             </a:extLst>
           </p:cNvPr>
@@ -5103,7 +4988,7 @@
           <a:blip r:embed="rId2" cstate="print">
             <a:extLst>
               <a:ext uri="{28A0092B-C50C-407E-A947-70E740481C1C}">
-                <a14:useLocalDpi xmlns="" xmlns:a14="http://schemas.microsoft.com/office/drawing/2010/main" val="0"/>
+                <a14:useLocalDpi xmlns:a14="http://schemas.microsoft.com/office/drawing/2010/main" val="0"/>
               </a:ext>
             </a:extLst>
           </a:blip>
@@ -5159,20 +5044,13 @@
     </p:spTree>
     <p:extLst>
       <p:ext uri="{BB962C8B-B14F-4D97-AF65-F5344CB8AC3E}">
-        <p14:creationId xmlns="" xmlns:p14="http://schemas.microsoft.com/office/powerpoint/2010/main" val="3691993864"/>
+        <p14:creationId xmlns:p14="http://schemas.microsoft.com/office/powerpoint/2010/main" val="3691993864"/>
       </p:ext>
     </p:extLst>
   </p:cSld>
   <p:clrMapOvr>
     <a:masterClrMapping/>
   </p:clrMapOvr>
-  <p:timing>
-    <p:tnLst>
-      <p:par>
-        <p:cTn id="1" dur="indefinite" restart="never" nodeType="tmRoot"/>
-      </p:par>
-    </p:tnLst>
-  </p:timing>
 </p:sld>
 </file>
 
@@ -5198,7 +5076,7 @@
           <p:cNvPr id="2" name="Title 1">
             <a:extLst>
               <a:ext uri="{FF2B5EF4-FFF2-40B4-BE49-F238E27FC236}">
-                <a16:creationId xmlns="" xmlns:a16="http://schemas.microsoft.com/office/drawing/2014/main" id="{D5976393-01BB-428F-8642-D325E9ED1E5B}"/>
+                <a16:creationId xmlns:a16="http://schemas.microsoft.com/office/drawing/2014/main" id="{D5976393-01BB-428F-8642-D325E9ED1E5B}"/>
               </a:ext>
             </a:extLst>
           </p:cNvPr>
@@ -5215,16 +5093,12 @@
           <a:lstStyle/>
           <a:p>
             <a:r>
-              <a:rPr lang="en-IN" dirty="0" smtClean="0">
+              <a:rPr lang="en-IN" dirty="0">
                 <a:latin typeface="Arial" panose="020B0604020202020204" pitchFamily="34" charset="0"/>
                 <a:cs typeface="Arial" panose="020B0604020202020204" pitchFamily="34" charset="0"/>
               </a:rPr>
               <a:t>Karma</a:t>
             </a:r>
-            <a:endParaRPr lang="en-IN" dirty="0">
-              <a:latin typeface="Arial" panose="020B0604020202020204" pitchFamily="34" charset="0"/>
-              <a:cs typeface="Arial" panose="020B0604020202020204" pitchFamily="34" charset="0"/>
-            </a:endParaRPr>
           </a:p>
         </p:txBody>
       </p:sp>
@@ -5233,7 +5107,7 @@
           <p:cNvPr id="4" name="Footer Placeholder 3">
             <a:extLst>
               <a:ext uri="{FF2B5EF4-FFF2-40B4-BE49-F238E27FC236}">
-                <a16:creationId xmlns="" xmlns:a16="http://schemas.microsoft.com/office/drawing/2014/main" id="{225E687A-3841-43E9-A660-E12990A18BBE}"/>
+                <a16:creationId xmlns:a16="http://schemas.microsoft.com/office/drawing/2014/main" id="{225E687A-3841-43E9-A660-E12990A18BBE}"/>
               </a:ext>
             </a:extLst>
           </p:cNvPr>
@@ -5264,7 +5138,7 @@
           <p:cNvPr id="5" name="Slide Number Placeholder 4">
             <a:extLst>
               <a:ext uri="{FF2B5EF4-FFF2-40B4-BE49-F238E27FC236}">
-                <a16:creationId xmlns="" xmlns:a16="http://schemas.microsoft.com/office/drawing/2014/main" id="{0DAEE1CA-D53F-4736-8F8C-F0F7031EFAA5}"/>
+                <a16:creationId xmlns:a16="http://schemas.microsoft.com/office/drawing/2014/main" id="{0DAEE1CA-D53F-4736-8F8C-F0F7031EFAA5}"/>
               </a:ext>
             </a:extLst>
           </p:cNvPr>
@@ -5294,7 +5168,7 @@
           <p:cNvPr id="7" name="Picture 6">
             <a:extLst>
               <a:ext uri="{FF2B5EF4-FFF2-40B4-BE49-F238E27FC236}">
-                <a16:creationId xmlns="" xmlns:a16="http://schemas.microsoft.com/office/drawing/2014/main" id="{0C376FEC-7B49-40D0-9138-4319452F0A1B}"/>
+                <a16:creationId xmlns:a16="http://schemas.microsoft.com/office/drawing/2014/main" id="{0C376FEC-7B49-40D0-9138-4319452F0A1B}"/>
               </a:ext>
             </a:extLst>
           </p:cNvPr>
@@ -5307,7 +5181,7 @@
           <a:blip r:embed="rId2" cstate="print">
             <a:extLst>
               <a:ext uri="{28A0092B-C50C-407E-A947-70E740481C1C}">
-                <a14:useLocalDpi xmlns="" xmlns:a14="http://schemas.microsoft.com/office/drawing/2010/main" val="0"/>
+                <a14:useLocalDpi xmlns:a14="http://schemas.microsoft.com/office/drawing/2010/main" val="0"/>
               </a:ext>
             </a:extLst>
           </a:blip>
@@ -5380,20 +5254,13 @@
     </p:spTree>
     <p:extLst>
       <p:ext uri="{BB962C8B-B14F-4D97-AF65-F5344CB8AC3E}">
-        <p14:creationId xmlns="" xmlns:p14="http://schemas.microsoft.com/office/powerpoint/2010/main" val="3691993864"/>
+        <p14:creationId xmlns:p14="http://schemas.microsoft.com/office/powerpoint/2010/main" val="3691993864"/>
       </p:ext>
     </p:extLst>
   </p:cSld>
   <p:clrMapOvr>
     <a:masterClrMapping/>
   </p:clrMapOvr>
-  <p:timing>
-    <p:tnLst>
-      <p:par>
-        <p:cTn id="1" dur="indefinite" restart="never" nodeType="tmRoot"/>
-      </p:par>
-    </p:tnLst>
-  </p:timing>
 </p:sld>
 </file>
 
@@ -5419,7 +5286,7 @@
           <p:cNvPr id="2" name="Title 1">
             <a:extLst>
               <a:ext uri="{FF2B5EF4-FFF2-40B4-BE49-F238E27FC236}">
-                <a16:creationId xmlns="" xmlns:a16="http://schemas.microsoft.com/office/drawing/2014/main" id="{D5976393-01BB-428F-8642-D325E9ED1E5B}"/>
+                <a16:creationId xmlns:a16="http://schemas.microsoft.com/office/drawing/2014/main" id="{D5976393-01BB-428F-8642-D325E9ED1E5B}"/>
               </a:ext>
             </a:extLst>
           </p:cNvPr>
@@ -5436,16 +5303,12 @@
           <a:lstStyle/>
           <a:p>
             <a:r>
-              <a:rPr lang="en-IN" dirty="0" smtClean="0">
+              <a:rPr lang="en-IN" dirty="0">
                 <a:latin typeface="Arial" panose="020B0604020202020204" pitchFamily="34" charset="0"/>
                 <a:cs typeface="Arial" panose="020B0604020202020204" pitchFamily="34" charset="0"/>
               </a:rPr>
               <a:t>Jasmine and Karma Configuration</a:t>
             </a:r>
-            <a:endParaRPr lang="en-IN" dirty="0">
-              <a:latin typeface="Arial" panose="020B0604020202020204" pitchFamily="34" charset="0"/>
-              <a:cs typeface="Arial" panose="020B0604020202020204" pitchFamily="34" charset="0"/>
-            </a:endParaRPr>
           </a:p>
         </p:txBody>
       </p:sp>
@@ -5454,7 +5317,7 @@
           <p:cNvPr id="4" name="Footer Placeholder 3">
             <a:extLst>
               <a:ext uri="{FF2B5EF4-FFF2-40B4-BE49-F238E27FC236}">
-                <a16:creationId xmlns="" xmlns:a16="http://schemas.microsoft.com/office/drawing/2014/main" id="{225E687A-3841-43E9-A660-E12990A18BBE}"/>
+                <a16:creationId xmlns:a16="http://schemas.microsoft.com/office/drawing/2014/main" id="{225E687A-3841-43E9-A660-E12990A18BBE}"/>
               </a:ext>
             </a:extLst>
           </p:cNvPr>
@@ -5485,7 +5348,7 @@
           <p:cNvPr id="5" name="Slide Number Placeholder 4">
             <a:extLst>
               <a:ext uri="{FF2B5EF4-FFF2-40B4-BE49-F238E27FC236}">
-                <a16:creationId xmlns="" xmlns:a16="http://schemas.microsoft.com/office/drawing/2014/main" id="{0DAEE1CA-D53F-4736-8F8C-F0F7031EFAA5}"/>
+                <a16:creationId xmlns:a16="http://schemas.microsoft.com/office/drawing/2014/main" id="{0DAEE1CA-D53F-4736-8F8C-F0F7031EFAA5}"/>
               </a:ext>
             </a:extLst>
           </p:cNvPr>
@@ -5515,7 +5378,7 @@
           <p:cNvPr id="7" name="Picture 6">
             <a:extLst>
               <a:ext uri="{FF2B5EF4-FFF2-40B4-BE49-F238E27FC236}">
-                <a16:creationId xmlns="" xmlns:a16="http://schemas.microsoft.com/office/drawing/2014/main" id="{0C376FEC-7B49-40D0-9138-4319452F0A1B}"/>
+                <a16:creationId xmlns:a16="http://schemas.microsoft.com/office/drawing/2014/main" id="{0C376FEC-7B49-40D0-9138-4319452F0A1B}"/>
               </a:ext>
             </a:extLst>
           </p:cNvPr>
@@ -5528,7 +5391,7 @@
           <a:blip r:embed="rId2" cstate="print">
             <a:extLst>
               <a:ext uri="{28A0092B-C50C-407E-A947-70E740481C1C}">
-                <a14:useLocalDpi xmlns="" xmlns:a14="http://schemas.microsoft.com/office/drawing/2010/main" val="0"/>
+                <a14:useLocalDpi xmlns:a14="http://schemas.microsoft.com/office/drawing/2010/main" val="0"/>
               </a:ext>
             </a:extLst>
           </a:blip>
@@ -5601,20 +5464,13 @@
     </p:spTree>
     <p:extLst>
       <p:ext uri="{BB962C8B-B14F-4D97-AF65-F5344CB8AC3E}">
-        <p14:creationId xmlns="" xmlns:p14="http://schemas.microsoft.com/office/powerpoint/2010/main" val="3691993864"/>
+        <p14:creationId xmlns:p14="http://schemas.microsoft.com/office/powerpoint/2010/main" val="3691993864"/>
       </p:ext>
     </p:extLst>
   </p:cSld>
   <p:clrMapOvr>
     <a:masterClrMapping/>
   </p:clrMapOvr>
-  <p:timing>
-    <p:tnLst>
-      <p:par>
-        <p:cTn id="1" dur="indefinite" restart="never" nodeType="tmRoot"/>
-      </p:par>
-    </p:tnLst>
-  </p:timing>
 </p:sld>
 </file>
 
@@ -5640,7 +5496,7 @@
           <p:cNvPr id="2" name="Title 1">
             <a:extLst>
               <a:ext uri="{FF2B5EF4-FFF2-40B4-BE49-F238E27FC236}">
-                <a16:creationId xmlns="" xmlns:a16="http://schemas.microsoft.com/office/drawing/2014/main" id="{D5976393-01BB-428F-8642-D325E9ED1E5B}"/>
+                <a16:creationId xmlns:a16="http://schemas.microsoft.com/office/drawing/2014/main" id="{D5976393-01BB-428F-8642-D325E9ED1E5B}"/>
               </a:ext>
             </a:extLst>
           </p:cNvPr>
@@ -5657,16 +5513,12 @@
           <a:lstStyle/>
           <a:p>
             <a:r>
-              <a:rPr lang="en-IN" dirty="0" smtClean="0">
+              <a:rPr lang="en-IN" dirty="0">
                 <a:latin typeface="Arial" panose="020B0604020202020204" pitchFamily="34" charset="0"/>
                 <a:cs typeface="Arial" panose="020B0604020202020204" pitchFamily="34" charset="0"/>
               </a:rPr>
               <a:t>Test Bed</a:t>
             </a:r>
-            <a:endParaRPr lang="en-IN" dirty="0">
-              <a:latin typeface="Arial" panose="020B0604020202020204" pitchFamily="34" charset="0"/>
-              <a:cs typeface="Arial" panose="020B0604020202020204" pitchFamily="34" charset="0"/>
-            </a:endParaRPr>
           </a:p>
         </p:txBody>
       </p:sp>
@@ -5675,7 +5527,7 @@
           <p:cNvPr id="4" name="Footer Placeholder 3">
             <a:extLst>
               <a:ext uri="{FF2B5EF4-FFF2-40B4-BE49-F238E27FC236}">
-                <a16:creationId xmlns="" xmlns:a16="http://schemas.microsoft.com/office/drawing/2014/main" id="{225E687A-3841-43E9-A660-E12990A18BBE}"/>
+                <a16:creationId xmlns:a16="http://schemas.microsoft.com/office/drawing/2014/main" id="{225E687A-3841-43E9-A660-E12990A18BBE}"/>
               </a:ext>
             </a:extLst>
           </p:cNvPr>
@@ -5706,7 +5558,7 @@
           <p:cNvPr id="5" name="Slide Number Placeholder 4">
             <a:extLst>
               <a:ext uri="{FF2B5EF4-FFF2-40B4-BE49-F238E27FC236}">
-                <a16:creationId xmlns="" xmlns:a16="http://schemas.microsoft.com/office/drawing/2014/main" id="{0DAEE1CA-D53F-4736-8F8C-F0F7031EFAA5}"/>
+                <a16:creationId xmlns:a16="http://schemas.microsoft.com/office/drawing/2014/main" id="{0DAEE1CA-D53F-4736-8F8C-F0F7031EFAA5}"/>
               </a:ext>
             </a:extLst>
           </p:cNvPr>
@@ -5736,7 +5588,7 @@
           <p:cNvPr id="7" name="Picture 6">
             <a:extLst>
               <a:ext uri="{FF2B5EF4-FFF2-40B4-BE49-F238E27FC236}">
-                <a16:creationId xmlns="" xmlns:a16="http://schemas.microsoft.com/office/drawing/2014/main" id="{0C376FEC-7B49-40D0-9138-4319452F0A1B}"/>
+                <a16:creationId xmlns:a16="http://schemas.microsoft.com/office/drawing/2014/main" id="{0C376FEC-7B49-40D0-9138-4319452F0A1B}"/>
               </a:ext>
             </a:extLst>
           </p:cNvPr>
@@ -5749,7 +5601,7 @@
           <a:blip r:embed="rId2" cstate="print">
             <a:extLst>
               <a:ext uri="{28A0092B-C50C-407E-A947-70E740481C1C}">
-                <a14:useLocalDpi xmlns="" xmlns:a14="http://schemas.microsoft.com/office/drawing/2010/main" val="0"/>
+                <a14:useLocalDpi xmlns:a14="http://schemas.microsoft.com/office/drawing/2010/main" val="0"/>
               </a:ext>
             </a:extLst>
           </a:blip>
@@ -5822,20 +5674,13 @@
     </p:spTree>
     <p:extLst>
       <p:ext uri="{BB962C8B-B14F-4D97-AF65-F5344CB8AC3E}">
-        <p14:creationId xmlns="" xmlns:p14="http://schemas.microsoft.com/office/powerpoint/2010/main" val="3691993864"/>
+        <p14:creationId xmlns:p14="http://schemas.microsoft.com/office/powerpoint/2010/main" val="3691993864"/>
       </p:ext>
     </p:extLst>
   </p:cSld>
   <p:clrMapOvr>
     <a:masterClrMapping/>
   </p:clrMapOvr>
-  <p:timing>
-    <p:tnLst>
-      <p:par>
-        <p:cTn id="1" dur="indefinite" restart="never" nodeType="tmRoot"/>
-      </p:par>
-    </p:tnLst>
-  </p:timing>
 </p:sld>
 </file>
 
@@ -5861,7 +5706,7 @@
           <p:cNvPr id="2" name="Title 1">
             <a:extLst>
               <a:ext uri="{FF2B5EF4-FFF2-40B4-BE49-F238E27FC236}">
-                <a16:creationId xmlns="" xmlns:a16="http://schemas.microsoft.com/office/drawing/2014/main" id="{D5976393-01BB-428F-8642-D325E9ED1E5B}"/>
+                <a16:creationId xmlns:a16="http://schemas.microsoft.com/office/drawing/2014/main" id="{D5976393-01BB-428F-8642-D325E9ED1E5B}"/>
               </a:ext>
             </a:extLst>
           </p:cNvPr>
@@ -5878,7 +5723,7 @@
           <a:lstStyle/>
           <a:p>
             <a:r>
-              <a:rPr lang="en-IN" dirty="0" err="1" smtClean="0">
+              <a:rPr lang="en-IN" dirty="0" err="1">
                 <a:latin typeface="Arial" panose="020B0604020202020204" pitchFamily="34" charset="0"/>
                 <a:cs typeface="Arial" panose="020B0604020202020204" pitchFamily="34" charset="0"/>
               </a:rPr>
@@ -5896,7 +5741,7 @@
           <p:cNvPr id="4" name="Footer Placeholder 3">
             <a:extLst>
               <a:ext uri="{FF2B5EF4-FFF2-40B4-BE49-F238E27FC236}">
-                <a16:creationId xmlns="" xmlns:a16="http://schemas.microsoft.com/office/drawing/2014/main" id="{225E687A-3841-43E9-A660-E12990A18BBE}"/>
+                <a16:creationId xmlns:a16="http://schemas.microsoft.com/office/drawing/2014/main" id="{225E687A-3841-43E9-A660-E12990A18BBE}"/>
               </a:ext>
             </a:extLst>
           </p:cNvPr>
@@ -5927,7 +5772,7 @@
           <p:cNvPr id="5" name="Slide Number Placeholder 4">
             <a:extLst>
               <a:ext uri="{FF2B5EF4-FFF2-40B4-BE49-F238E27FC236}">
-                <a16:creationId xmlns="" xmlns:a16="http://schemas.microsoft.com/office/drawing/2014/main" id="{0DAEE1CA-D53F-4736-8F8C-F0F7031EFAA5}"/>
+                <a16:creationId xmlns:a16="http://schemas.microsoft.com/office/drawing/2014/main" id="{0DAEE1CA-D53F-4736-8F8C-F0F7031EFAA5}"/>
               </a:ext>
             </a:extLst>
           </p:cNvPr>
@@ -5957,7 +5802,7 @@
           <p:cNvPr id="7" name="Picture 6">
             <a:extLst>
               <a:ext uri="{FF2B5EF4-FFF2-40B4-BE49-F238E27FC236}">
-                <a16:creationId xmlns="" xmlns:a16="http://schemas.microsoft.com/office/drawing/2014/main" id="{0C376FEC-7B49-40D0-9138-4319452F0A1B}"/>
+                <a16:creationId xmlns:a16="http://schemas.microsoft.com/office/drawing/2014/main" id="{0C376FEC-7B49-40D0-9138-4319452F0A1B}"/>
               </a:ext>
             </a:extLst>
           </p:cNvPr>
@@ -5970,7 +5815,7 @@
           <a:blip r:embed="rId2" cstate="print">
             <a:extLst>
               <a:ext uri="{28A0092B-C50C-407E-A947-70E740481C1C}">
-                <a14:useLocalDpi xmlns="" xmlns:a14="http://schemas.microsoft.com/office/drawing/2010/main" val="0"/>
+                <a14:useLocalDpi xmlns:a14="http://schemas.microsoft.com/office/drawing/2010/main" val="0"/>
               </a:ext>
             </a:extLst>
           </a:blip>
@@ -6043,20 +5888,13 @@
     </p:spTree>
     <p:extLst>
       <p:ext uri="{BB962C8B-B14F-4D97-AF65-F5344CB8AC3E}">
-        <p14:creationId xmlns="" xmlns:p14="http://schemas.microsoft.com/office/powerpoint/2010/main" val="3691993864"/>
+        <p14:creationId xmlns:p14="http://schemas.microsoft.com/office/powerpoint/2010/main" val="3691993864"/>
       </p:ext>
     </p:extLst>
   </p:cSld>
   <p:clrMapOvr>
     <a:masterClrMapping/>
   </p:clrMapOvr>
-  <p:timing>
-    <p:tnLst>
-      <p:par>
-        <p:cTn id="1" dur="indefinite" restart="never" nodeType="tmRoot"/>
-      </p:par>
-    </p:tnLst>
-  </p:timing>
 </p:sld>
 </file>
 
@@ -6093,10 +5931,9 @@
           <a:lstStyle/>
           <a:p>
             <a:r>
-              <a:rPr lang="en-US" smtClean="0"/>
+              <a:rPr lang="en-US"/>
               <a:t>Debug Element</a:t>
             </a:r>
-            <a:endParaRPr lang="en-US"/>
           </a:p>
         </p:txBody>
       </p:sp>
@@ -6116,10 +5953,9 @@
           <a:lstStyle/>
           <a:p>
             <a:r>
-              <a:rPr lang="en-IN" smtClean="0"/>
+              <a:rPr lang="en-IN"/>
               <a:t>www.kaushalya.tech</a:t>
             </a:r>
-            <a:endParaRPr lang="en-IN"/>
           </a:p>
         </p:txBody>
       </p:sp>
@@ -6223,15 +6059,15 @@
           <a:lstStyle/>
           <a:p>
             <a:r>
-              <a:rPr lang="en-US" smtClean="0"/>
+              <a:rPr lang="en-US"/>
               <a:t>Life Cycle </a:t>
             </a:r>
             <a:r>
-              <a:rPr lang="en-US" dirty="0" smtClean="0"/>
+              <a:rPr lang="en-US" dirty="0"/>
               <a:t>H</a:t>
             </a:r>
             <a:r>
-              <a:rPr lang="en-US" smtClean="0"/>
+              <a:rPr lang="en-US"/>
               <a:t>ooks</a:t>
             </a:r>
             <a:endParaRPr lang="en-US" dirty="0"/>
@@ -6254,10 +6090,9 @@
           <a:lstStyle/>
           <a:p>
             <a:r>
-              <a:rPr lang="en-IN" smtClean="0"/>
+              <a:rPr lang="en-IN"/>
               <a:t>www.kaushalya.tech</a:t>
             </a:r>
-            <a:endParaRPr lang="en-IN"/>
           </a:p>
         </p:txBody>
       </p:sp>
@@ -6617,7 +6452,7 @@
   <a:extraClrSchemeLst/>
   <a:extLst>
     <a:ext uri="{05A4C25C-085E-4340-85A3-A5531E510DB2}">
-      <thm15:themeFamily xmlns="" xmlns:thm15="http://schemas.microsoft.com/office/thememl/2012/main" name="Office Theme" id="{62F939B6-93AF-4DB8-9C6B-D6C7DFDC589F}" vid="{4A3C46E8-61CC-4603-A589-7422A47A8E4A}"/>
+      <thm15:themeFamily xmlns:thm15="http://schemas.microsoft.com/office/thememl/2012/main" name="Office Theme" id="{62F939B6-93AF-4DB8-9C6B-D6C7DFDC589F}" vid="{4A3C46E8-61CC-4603-A589-7422A47A8E4A}"/>
     </a:ext>
   </a:extLst>
 </a:theme>
@@ -6912,7 +6747,7 @@
   <a:extraClrSchemeLst/>
   <a:extLst>
     <a:ext uri="{05A4C25C-085E-4340-85A3-A5531E510DB2}">
-      <thm15:themeFamily xmlns="" xmlns:thm15="http://schemas.microsoft.com/office/thememl/2012/main" name="Office Theme" id="{62F939B6-93AF-4DB8-9C6B-D6C7DFDC589F}" vid="{4A3C46E8-61CC-4603-A589-7422A47A8E4A}"/>
+      <thm15:themeFamily xmlns:thm15="http://schemas.microsoft.com/office/thememl/2012/main" name="Office Theme" id="{62F939B6-93AF-4DB8-9C6B-D6C7DFDC589F}" vid="{4A3C46E8-61CC-4603-A589-7422A47A8E4A}"/>
     </a:ext>
   </a:extLst>
 </a:theme>
@@ -7207,7 +7042,7 @@
   <a:extraClrSchemeLst/>
   <a:extLst>
     <a:ext uri="{05A4C25C-085E-4340-85A3-A5531E510DB2}">
-      <thm15:themeFamily xmlns="" xmlns:thm15="http://schemas.microsoft.com/office/thememl/2012/main" name="Office Theme" id="{62F939B6-93AF-4DB8-9C6B-D6C7DFDC589F}" vid="{4A3C46E8-61CC-4603-A589-7422A47A8E4A}"/>
+      <thm15:themeFamily xmlns:thm15="http://schemas.microsoft.com/office/thememl/2012/main" name="Office Theme" id="{62F939B6-93AF-4DB8-9C6B-D6C7DFDC589F}" vid="{4A3C46E8-61CC-4603-A589-7422A47A8E4A}"/>
     </a:ext>
   </a:extLst>
 </a:theme>
